--- a/pool.pptx
+++ b/pool.pptx
@@ -2,12 +2,13 @@
 <file path=ppt/presentation.xml><?xml version="1.0" encoding="utf-8"?>
 <p:presentation xmlns:a="http://schemas.openxmlformats.org/drawingml/2006/main" xmlns:r="http://schemas.openxmlformats.org/officeDocument/2006/relationships" xmlns:p="http://schemas.openxmlformats.org/presentationml/2006/main" saveSubsetFonts="1">
   <p:sldMasterIdLst>
-    <p:sldMasterId id="2147483720" r:id="rId1"/>
+    <p:sldMasterId id="2147483744" r:id="rId1"/>
   </p:sldMasterIdLst>
   <p:sldIdLst>
     <p:sldId id="256" r:id="rId2"/>
+    <p:sldId id="257" r:id="rId3"/>
   </p:sldIdLst>
-  <p:sldSz cx="21780500" cy="23399750"/>
+  <p:sldSz cx="23796625" cy="9144000"/>
   <p:notesSz cx="6858000" cy="9144000"/>
   <p:defaultTextStyle>
     <a:defPPr>
@@ -104,6 +105,11 @@
       </a:defRPr>
     </a:lvl9pPr>
   </p:defaultTextStyle>
+  <p:extLst>
+    <p:ext uri="{EFAFB233-063F-42B5-8137-9DF3F51BA10A}">
+      <p15:sldGuideLst xmlns:p15="http://schemas.microsoft.com/office/powerpoint/2012/main"/>
+    </p:ext>
+  </p:extLst>
 </p:presentation>
 </file>
 
@@ -136,15 +142,15 @@
         </p:nvSpPr>
         <p:spPr>
           <a:xfrm>
-            <a:off x="1633538" y="3829544"/>
-            <a:ext cx="18513425" cy="8146580"/>
+            <a:off x="2974578" y="1496484"/>
+            <a:ext cx="17847469" cy="3183467"/>
           </a:xfrm>
         </p:spPr>
         <p:txBody>
           <a:bodyPr anchor="b"/>
           <a:lstStyle>
             <a:lvl1pPr algn="ctr">
-              <a:defRPr sz="14291"/>
+              <a:defRPr sz="8000"/>
             </a:lvl1pPr>
           </a:lstStyle>
           <a:p>
@@ -168,8 +174,8 @@
         </p:nvSpPr>
         <p:spPr>
           <a:xfrm>
-            <a:off x="2722563" y="12290287"/>
-            <a:ext cx="16335375" cy="5649521"/>
+            <a:off x="2974578" y="4802717"/>
+            <a:ext cx="17847469" cy="2207683"/>
           </a:xfrm>
         </p:spPr>
         <p:txBody>
@@ -177,39 +183,39 @@
           <a:lstStyle>
             <a:lvl1pPr marL="0" indent="0" algn="ctr">
               <a:buNone/>
-              <a:defRPr sz="5717"/>
+              <a:defRPr sz="3200"/>
             </a:lvl1pPr>
-            <a:lvl2pPr marL="1089005" indent="0" algn="ctr">
-              <a:buNone/>
-              <a:defRPr sz="4764"/>
+            <a:lvl2pPr marL="609585" indent="0" algn="ctr">
+              <a:buNone/>
+              <a:defRPr sz="2667"/>
             </a:lvl2pPr>
-            <a:lvl3pPr marL="2178009" indent="0" algn="ctr">
-              <a:buNone/>
-              <a:defRPr sz="4287"/>
+            <a:lvl3pPr marL="1219170" indent="0" algn="ctr">
+              <a:buNone/>
+              <a:defRPr sz="2400"/>
             </a:lvl3pPr>
-            <a:lvl4pPr marL="3267014" indent="0" algn="ctr">
-              <a:buNone/>
-              <a:defRPr sz="3811"/>
+            <a:lvl4pPr marL="1828754" indent="0" algn="ctr">
+              <a:buNone/>
+              <a:defRPr sz="2133"/>
             </a:lvl4pPr>
-            <a:lvl5pPr marL="4356019" indent="0" algn="ctr">
-              <a:buNone/>
-              <a:defRPr sz="3811"/>
+            <a:lvl5pPr marL="2438339" indent="0" algn="ctr">
+              <a:buNone/>
+              <a:defRPr sz="2133"/>
             </a:lvl5pPr>
-            <a:lvl6pPr marL="5445023" indent="0" algn="ctr">
-              <a:buNone/>
-              <a:defRPr sz="3811"/>
+            <a:lvl6pPr marL="3047924" indent="0" algn="ctr">
+              <a:buNone/>
+              <a:defRPr sz="2133"/>
             </a:lvl6pPr>
-            <a:lvl7pPr marL="6534028" indent="0" algn="ctr">
-              <a:buNone/>
-              <a:defRPr sz="3811"/>
+            <a:lvl7pPr marL="3657509" indent="0" algn="ctr">
+              <a:buNone/>
+              <a:defRPr sz="2133"/>
             </a:lvl7pPr>
-            <a:lvl8pPr marL="7623033" indent="0" algn="ctr">
-              <a:buNone/>
-              <a:defRPr sz="3811"/>
+            <a:lvl8pPr marL="4267093" indent="0" algn="ctr">
+              <a:buNone/>
+              <a:defRPr sz="2133"/>
             </a:lvl8pPr>
-            <a:lvl9pPr marL="8712037" indent="0" algn="ctr">
-              <a:buNone/>
-              <a:defRPr sz="3811"/>
+            <a:lvl9pPr marL="4876678" indent="0" algn="ctr">
+              <a:buNone/>
+              <a:defRPr sz="2133"/>
             </a:lvl9pPr>
           </a:lstStyle>
           <a:p>
@@ -238,7 +244,7 @@
           <a:p>
             <a:fld id="{9522BF79-1D12-4B05-A18E-D620DCAD8604}" type="datetimeFigureOut">
               <a:rPr lang="zh-CN" altLang="en-US" smtClean="0"/>
-              <a:t>2019/8/9</a:t>
+              <a:t>2019/8/14</a:t>
             </a:fld>
             <a:endParaRPr lang="zh-CN" altLang="en-US"/>
           </a:p>
@@ -289,7 +295,7 @@
     </p:spTree>
     <p:extLst>
       <p:ext uri="{BB962C8B-B14F-4D97-AF65-F5344CB8AC3E}">
-        <p14:creationId xmlns:p14="http://schemas.microsoft.com/office/powerpoint/2010/main" val="2483821597"/>
+        <p14:creationId xmlns:p14="http://schemas.microsoft.com/office/powerpoint/2010/main" val="3994796053"/>
       </p:ext>
     </p:extLst>
   </p:cSld>
@@ -408,7 +414,7 @@
           <a:p>
             <a:fld id="{9522BF79-1D12-4B05-A18E-D620DCAD8604}" type="datetimeFigureOut">
               <a:rPr lang="zh-CN" altLang="en-US" smtClean="0"/>
-              <a:t>2019/8/9</a:t>
+              <a:t>2019/8/14</a:t>
             </a:fld>
             <a:endParaRPr lang="zh-CN" altLang="en-US"/>
           </a:p>
@@ -459,7 +465,7 @@
     </p:spTree>
     <p:extLst>
       <p:ext uri="{BB962C8B-B14F-4D97-AF65-F5344CB8AC3E}">
-        <p14:creationId xmlns:p14="http://schemas.microsoft.com/office/powerpoint/2010/main" val="1296622962"/>
+        <p14:creationId xmlns:p14="http://schemas.microsoft.com/office/powerpoint/2010/main" val="1055717951"/>
       </p:ext>
     </p:extLst>
   </p:cSld>
@@ -498,8 +504,8 @@
         </p:nvSpPr>
         <p:spPr>
           <a:xfrm>
-            <a:off x="15586672" y="1245820"/>
-            <a:ext cx="4696420" cy="19830207"/>
+            <a:off x="17029460" y="486834"/>
+            <a:ext cx="5131147" cy="7749117"/>
           </a:xfrm>
         </p:spPr>
         <p:txBody>
@@ -526,8 +532,8 @@
         </p:nvSpPr>
         <p:spPr>
           <a:xfrm>
-            <a:off x="1497410" y="1245820"/>
-            <a:ext cx="13817005" cy="19830207"/>
+            <a:off x="1636018" y="486834"/>
+            <a:ext cx="15095984" cy="7749117"/>
           </a:xfrm>
         </p:spPr>
         <p:txBody>
@@ -588,7 +594,7 @@
           <a:p>
             <a:fld id="{9522BF79-1D12-4B05-A18E-D620DCAD8604}" type="datetimeFigureOut">
               <a:rPr lang="zh-CN" altLang="en-US" smtClean="0"/>
-              <a:t>2019/8/9</a:t>
+              <a:t>2019/8/14</a:t>
             </a:fld>
             <a:endParaRPr lang="zh-CN" altLang="en-US"/>
           </a:p>
@@ -639,7 +645,7 @@
     </p:spTree>
     <p:extLst>
       <p:ext uri="{BB962C8B-B14F-4D97-AF65-F5344CB8AC3E}">
-        <p14:creationId xmlns:p14="http://schemas.microsoft.com/office/powerpoint/2010/main" val="3985742210"/>
+        <p14:creationId xmlns:p14="http://schemas.microsoft.com/office/powerpoint/2010/main" val="4146812929"/>
       </p:ext>
     </p:extLst>
   </p:cSld>
@@ -758,7 +764,7 @@
           <a:p>
             <a:fld id="{9522BF79-1D12-4B05-A18E-D620DCAD8604}" type="datetimeFigureOut">
               <a:rPr lang="zh-CN" altLang="en-US" smtClean="0"/>
-              <a:t>2019/8/9</a:t>
+              <a:t>2019/8/14</a:t>
             </a:fld>
             <a:endParaRPr lang="zh-CN" altLang="en-US"/>
           </a:p>
@@ -809,7 +815,7 @@
     </p:spTree>
     <p:extLst>
       <p:ext uri="{BB962C8B-B14F-4D97-AF65-F5344CB8AC3E}">
-        <p14:creationId xmlns:p14="http://schemas.microsoft.com/office/powerpoint/2010/main" val="630790804"/>
+        <p14:creationId xmlns:p14="http://schemas.microsoft.com/office/powerpoint/2010/main" val="3488778875"/>
       </p:ext>
     </p:extLst>
   </p:cSld>
@@ -848,15 +854,15 @@
         </p:nvSpPr>
         <p:spPr>
           <a:xfrm>
-            <a:off x="1486067" y="5833695"/>
-            <a:ext cx="18785681" cy="9733644"/>
+            <a:off x="1623624" y="2279652"/>
+            <a:ext cx="20524589" cy="3803649"/>
           </a:xfrm>
         </p:spPr>
         <p:txBody>
           <a:bodyPr anchor="b"/>
           <a:lstStyle>
             <a:lvl1pPr>
-              <a:defRPr sz="14291"/>
+              <a:defRPr sz="8000"/>
             </a:lvl1pPr>
           </a:lstStyle>
           <a:p>
@@ -880,8 +886,8 @@
         </p:nvSpPr>
         <p:spPr>
           <a:xfrm>
-            <a:off x="1486067" y="15659423"/>
-            <a:ext cx="18785681" cy="5118694"/>
+            <a:off x="1623624" y="6119285"/>
+            <a:ext cx="20524589" cy="2000249"/>
           </a:xfrm>
         </p:spPr>
         <p:txBody>
@@ -889,15 +895,17 @@
           <a:lstStyle>
             <a:lvl1pPr marL="0" indent="0">
               <a:buNone/>
-              <a:defRPr sz="5717">
+              <a:defRPr sz="3200">
                 <a:solidFill>
-                  <a:schemeClr val="tx1"/>
+                  <a:schemeClr val="tx1">
+                    <a:tint val="75000"/>
+                  </a:schemeClr>
                 </a:solidFill>
               </a:defRPr>
             </a:lvl1pPr>
-            <a:lvl2pPr marL="1089005" indent="0">
-              <a:buNone/>
-              <a:defRPr sz="4764">
+            <a:lvl2pPr marL="609585" indent="0">
+              <a:buNone/>
+              <a:defRPr sz="2667">
                 <a:solidFill>
                   <a:schemeClr val="tx1">
                     <a:tint val="75000"/>
@@ -905,9 +913,9 @@
                 </a:solidFill>
               </a:defRPr>
             </a:lvl2pPr>
-            <a:lvl3pPr marL="2178009" indent="0">
-              <a:buNone/>
-              <a:defRPr sz="4287">
+            <a:lvl3pPr marL="1219170" indent="0">
+              <a:buNone/>
+              <a:defRPr sz="2400">
                 <a:solidFill>
                   <a:schemeClr val="tx1">
                     <a:tint val="75000"/>
@@ -915,9 +923,9 @@
                 </a:solidFill>
               </a:defRPr>
             </a:lvl3pPr>
-            <a:lvl4pPr marL="3267014" indent="0">
-              <a:buNone/>
-              <a:defRPr sz="3811">
+            <a:lvl4pPr marL="1828754" indent="0">
+              <a:buNone/>
+              <a:defRPr sz="2133">
                 <a:solidFill>
                   <a:schemeClr val="tx1">
                     <a:tint val="75000"/>
@@ -925,9 +933,9 @@
                 </a:solidFill>
               </a:defRPr>
             </a:lvl4pPr>
-            <a:lvl5pPr marL="4356019" indent="0">
-              <a:buNone/>
-              <a:defRPr sz="3811">
+            <a:lvl5pPr marL="2438339" indent="0">
+              <a:buNone/>
+              <a:defRPr sz="2133">
                 <a:solidFill>
                   <a:schemeClr val="tx1">
                     <a:tint val="75000"/>
@@ -935,9 +943,9 @@
                 </a:solidFill>
               </a:defRPr>
             </a:lvl5pPr>
-            <a:lvl6pPr marL="5445023" indent="0">
-              <a:buNone/>
-              <a:defRPr sz="3811">
+            <a:lvl6pPr marL="3047924" indent="0">
+              <a:buNone/>
+              <a:defRPr sz="2133">
                 <a:solidFill>
                   <a:schemeClr val="tx1">
                     <a:tint val="75000"/>
@@ -945,9 +953,9 @@
                 </a:solidFill>
               </a:defRPr>
             </a:lvl6pPr>
-            <a:lvl7pPr marL="6534028" indent="0">
-              <a:buNone/>
-              <a:defRPr sz="3811">
+            <a:lvl7pPr marL="3657509" indent="0">
+              <a:buNone/>
+              <a:defRPr sz="2133">
                 <a:solidFill>
                   <a:schemeClr val="tx1">
                     <a:tint val="75000"/>
@@ -955,9 +963,9 @@
                 </a:solidFill>
               </a:defRPr>
             </a:lvl7pPr>
-            <a:lvl8pPr marL="7623033" indent="0">
-              <a:buNone/>
-              <a:defRPr sz="3811">
+            <a:lvl8pPr marL="4267093" indent="0">
+              <a:buNone/>
+              <a:defRPr sz="2133">
                 <a:solidFill>
                   <a:schemeClr val="tx1">
                     <a:tint val="75000"/>
@@ -965,9 +973,9 @@
                 </a:solidFill>
               </a:defRPr>
             </a:lvl8pPr>
-            <a:lvl9pPr marL="8712037" indent="0">
-              <a:buNone/>
-              <a:defRPr sz="3811">
+            <a:lvl9pPr marL="4876678" indent="0">
+              <a:buNone/>
+              <a:defRPr sz="2133">
                 <a:solidFill>
                   <a:schemeClr val="tx1">
                     <a:tint val="75000"/>
@@ -1002,7 +1010,7 @@
           <a:p>
             <a:fld id="{9522BF79-1D12-4B05-A18E-D620DCAD8604}" type="datetimeFigureOut">
               <a:rPr lang="zh-CN" altLang="en-US" smtClean="0"/>
-              <a:t>2019/8/9</a:t>
+              <a:t>2019/8/14</a:t>
             </a:fld>
             <a:endParaRPr lang="zh-CN" altLang="en-US"/>
           </a:p>
@@ -1053,7 +1061,7 @@
     </p:spTree>
     <p:extLst>
       <p:ext uri="{BB962C8B-B14F-4D97-AF65-F5344CB8AC3E}">
-        <p14:creationId xmlns:p14="http://schemas.microsoft.com/office/powerpoint/2010/main" val="2355129712"/>
+        <p14:creationId xmlns:p14="http://schemas.microsoft.com/office/powerpoint/2010/main" val="4148398901"/>
       </p:ext>
     </p:extLst>
   </p:cSld>
@@ -1115,8 +1123,8 @@
         </p:nvSpPr>
         <p:spPr>
           <a:xfrm>
-            <a:off x="1497409" y="6229100"/>
-            <a:ext cx="9256713" cy="14846926"/>
+            <a:off x="1636018" y="2434167"/>
+            <a:ext cx="10113566" cy="5801784"/>
           </a:xfrm>
         </p:spPr>
         <p:txBody>
@@ -1172,8 +1180,8 @@
         </p:nvSpPr>
         <p:spPr>
           <a:xfrm>
-            <a:off x="11026378" y="6229100"/>
-            <a:ext cx="9256713" cy="14846926"/>
+            <a:off x="12047041" y="2434167"/>
+            <a:ext cx="10113566" cy="5801784"/>
           </a:xfrm>
         </p:spPr>
         <p:txBody>
@@ -1234,7 +1242,7 @@
           <a:p>
             <a:fld id="{9522BF79-1D12-4B05-A18E-D620DCAD8604}" type="datetimeFigureOut">
               <a:rPr lang="zh-CN" altLang="en-US" smtClean="0"/>
-              <a:t>2019/8/9</a:t>
+              <a:t>2019/8/14</a:t>
             </a:fld>
             <a:endParaRPr lang="zh-CN" altLang="en-US"/>
           </a:p>
@@ -1285,7 +1293,7 @@
     </p:spTree>
     <p:extLst>
       <p:ext uri="{BB962C8B-B14F-4D97-AF65-F5344CB8AC3E}">
-        <p14:creationId xmlns:p14="http://schemas.microsoft.com/office/powerpoint/2010/main" val="2735737947"/>
+        <p14:creationId xmlns:p14="http://schemas.microsoft.com/office/powerpoint/2010/main" val="6171535"/>
       </p:ext>
     </p:extLst>
   </p:cSld>
@@ -1324,8 +1332,8 @@
         </p:nvSpPr>
         <p:spPr>
           <a:xfrm>
-            <a:off x="1500246" y="1245825"/>
-            <a:ext cx="18785681" cy="4522870"/>
+            <a:off x="1639117" y="486834"/>
+            <a:ext cx="20524589" cy="1767417"/>
           </a:xfrm>
         </p:spPr>
         <p:txBody>
@@ -1352,8 +1360,8 @@
         </p:nvSpPr>
         <p:spPr>
           <a:xfrm>
-            <a:off x="1500249" y="5736191"/>
-            <a:ext cx="9214171" cy="2811218"/>
+            <a:off x="1639118" y="2241551"/>
+            <a:ext cx="10067087" cy="1098549"/>
           </a:xfrm>
         </p:spPr>
         <p:txBody>
@@ -1361,39 +1369,39 @@
           <a:lstStyle>
             <a:lvl1pPr marL="0" indent="0">
               <a:buNone/>
-              <a:defRPr sz="5717" b="1"/>
+              <a:defRPr sz="3200" b="1"/>
             </a:lvl1pPr>
-            <a:lvl2pPr marL="1089005" indent="0">
-              <a:buNone/>
-              <a:defRPr sz="4764" b="1"/>
+            <a:lvl2pPr marL="609585" indent="0">
+              <a:buNone/>
+              <a:defRPr sz="2667" b="1"/>
             </a:lvl2pPr>
-            <a:lvl3pPr marL="2178009" indent="0">
-              <a:buNone/>
-              <a:defRPr sz="4287" b="1"/>
+            <a:lvl3pPr marL="1219170" indent="0">
+              <a:buNone/>
+              <a:defRPr sz="2400" b="1"/>
             </a:lvl3pPr>
-            <a:lvl4pPr marL="3267014" indent="0">
-              <a:buNone/>
-              <a:defRPr sz="3811" b="1"/>
+            <a:lvl4pPr marL="1828754" indent="0">
+              <a:buNone/>
+              <a:defRPr sz="2133" b="1"/>
             </a:lvl4pPr>
-            <a:lvl5pPr marL="4356019" indent="0">
-              <a:buNone/>
-              <a:defRPr sz="3811" b="1"/>
+            <a:lvl5pPr marL="2438339" indent="0">
+              <a:buNone/>
+              <a:defRPr sz="2133" b="1"/>
             </a:lvl5pPr>
-            <a:lvl6pPr marL="5445023" indent="0">
-              <a:buNone/>
-              <a:defRPr sz="3811" b="1"/>
+            <a:lvl6pPr marL="3047924" indent="0">
+              <a:buNone/>
+              <a:defRPr sz="2133" b="1"/>
             </a:lvl6pPr>
-            <a:lvl7pPr marL="6534028" indent="0">
-              <a:buNone/>
-              <a:defRPr sz="3811" b="1"/>
+            <a:lvl7pPr marL="3657509" indent="0">
+              <a:buNone/>
+              <a:defRPr sz="2133" b="1"/>
             </a:lvl7pPr>
-            <a:lvl8pPr marL="7623033" indent="0">
-              <a:buNone/>
-              <a:defRPr sz="3811" b="1"/>
+            <a:lvl8pPr marL="4267093" indent="0">
+              <a:buNone/>
+              <a:defRPr sz="2133" b="1"/>
             </a:lvl8pPr>
-            <a:lvl9pPr marL="8712037" indent="0">
-              <a:buNone/>
-              <a:defRPr sz="3811" b="1"/>
+            <a:lvl9pPr marL="4876678" indent="0">
+              <a:buNone/>
+              <a:defRPr sz="2133" b="1"/>
             </a:lvl9pPr>
           </a:lstStyle>
           <a:p>
@@ -1417,8 +1425,8 @@
         </p:nvSpPr>
         <p:spPr>
           <a:xfrm>
-            <a:off x="1500249" y="8547409"/>
-            <a:ext cx="9214171" cy="12571951"/>
+            <a:off x="1639118" y="3340100"/>
+            <a:ext cx="10067087" cy="4912784"/>
           </a:xfrm>
         </p:spPr>
         <p:txBody>
@@ -1474,8 +1482,8 @@
         </p:nvSpPr>
         <p:spPr>
           <a:xfrm>
-            <a:off x="11026380" y="5736191"/>
-            <a:ext cx="9259549" cy="2811218"/>
+            <a:off x="12047041" y="2241551"/>
+            <a:ext cx="10116665" cy="1098549"/>
           </a:xfrm>
         </p:spPr>
         <p:txBody>
@@ -1483,39 +1491,39 @@
           <a:lstStyle>
             <a:lvl1pPr marL="0" indent="0">
               <a:buNone/>
-              <a:defRPr sz="5717" b="1"/>
+              <a:defRPr sz="3200" b="1"/>
             </a:lvl1pPr>
-            <a:lvl2pPr marL="1089005" indent="0">
-              <a:buNone/>
-              <a:defRPr sz="4764" b="1"/>
+            <a:lvl2pPr marL="609585" indent="0">
+              <a:buNone/>
+              <a:defRPr sz="2667" b="1"/>
             </a:lvl2pPr>
-            <a:lvl3pPr marL="2178009" indent="0">
-              <a:buNone/>
-              <a:defRPr sz="4287" b="1"/>
+            <a:lvl3pPr marL="1219170" indent="0">
+              <a:buNone/>
+              <a:defRPr sz="2400" b="1"/>
             </a:lvl3pPr>
-            <a:lvl4pPr marL="3267014" indent="0">
-              <a:buNone/>
-              <a:defRPr sz="3811" b="1"/>
+            <a:lvl4pPr marL="1828754" indent="0">
+              <a:buNone/>
+              <a:defRPr sz="2133" b="1"/>
             </a:lvl4pPr>
-            <a:lvl5pPr marL="4356019" indent="0">
-              <a:buNone/>
-              <a:defRPr sz="3811" b="1"/>
+            <a:lvl5pPr marL="2438339" indent="0">
+              <a:buNone/>
+              <a:defRPr sz="2133" b="1"/>
             </a:lvl5pPr>
-            <a:lvl6pPr marL="5445023" indent="0">
-              <a:buNone/>
-              <a:defRPr sz="3811" b="1"/>
+            <a:lvl6pPr marL="3047924" indent="0">
+              <a:buNone/>
+              <a:defRPr sz="2133" b="1"/>
             </a:lvl6pPr>
-            <a:lvl7pPr marL="6534028" indent="0">
-              <a:buNone/>
-              <a:defRPr sz="3811" b="1"/>
+            <a:lvl7pPr marL="3657509" indent="0">
+              <a:buNone/>
+              <a:defRPr sz="2133" b="1"/>
             </a:lvl7pPr>
-            <a:lvl8pPr marL="7623033" indent="0">
-              <a:buNone/>
-              <a:defRPr sz="3811" b="1"/>
+            <a:lvl8pPr marL="4267093" indent="0">
+              <a:buNone/>
+              <a:defRPr sz="2133" b="1"/>
             </a:lvl8pPr>
-            <a:lvl9pPr marL="8712037" indent="0">
-              <a:buNone/>
-              <a:defRPr sz="3811" b="1"/>
+            <a:lvl9pPr marL="4876678" indent="0">
+              <a:buNone/>
+              <a:defRPr sz="2133" b="1"/>
             </a:lvl9pPr>
           </a:lstStyle>
           <a:p>
@@ -1539,8 +1547,8 @@
         </p:nvSpPr>
         <p:spPr>
           <a:xfrm>
-            <a:off x="11026380" y="8547409"/>
-            <a:ext cx="9259549" cy="12571951"/>
+            <a:off x="12047041" y="3340100"/>
+            <a:ext cx="10116665" cy="4912784"/>
           </a:xfrm>
         </p:spPr>
         <p:txBody>
@@ -1601,7 +1609,7 @@
           <a:p>
             <a:fld id="{9522BF79-1D12-4B05-A18E-D620DCAD8604}" type="datetimeFigureOut">
               <a:rPr lang="zh-CN" altLang="en-US" smtClean="0"/>
-              <a:t>2019/8/9</a:t>
+              <a:t>2019/8/14</a:t>
             </a:fld>
             <a:endParaRPr lang="zh-CN" altLang="en-US"/>
           </a:p>
@@ -1652,7 +1660,7 @@
     </p:spTree>
     <p:extLst>
       <p:ext uri="{BB962C8B-B14F-4D97-AF65-F5344CB8AC3E}">
-        <p14:creationId xmlns:p14="http://schemas.microsoft.com/office/powerpoint/2010/main" val="820607196"/>
+        <p14:creationId xmlns:p14="http://schemas.microsoft.com/office/powerpoint/2010/main" val="542186059"/>
       </p:ext>
     </p:extLst>
   </p:cSld>
@@ -1719,7 +1727,7 @@
           <a:p>
             <a:fld id="{9522BF79-1D12-4B05-A18E-D620DCAD8604}" type="datetimeFigureOut">
               <a:rPr lang="zh-CN" altLang="en-US" smtClean="0"/>
-              <a:t>2019/8/9</a:t>
+              <a:t>2019/8/14</a:t>
             </a:fld>
             <a:endParaRPr lang="zh-CN" altLang="en-US"/>
           </a:p>
@@ -1770,7 +1778,7 @@
     </p:spTree>
     <p:extLst>
       <p:ext uri="{BB962C8B-B14F-4D97-AF65-F5344CB8AC3E}">
-        <p14:creationId xmlns:p14="http://schemas.microsoft.com/office/powerpoint/2010/main" val="2250765514"/>
+        <p14:creationId xmlns:p14="http://schemas.microsoft.com/office/powerpoint/2010/main" val="4221717775"/>
       </p:ext>
     </p:extLst>
   </p:cSld>
@@ -1814,7 +1822,7 @@
           <a:p>
             <a:fld id="{9522BF79-1D12-4B05-A18E-D620DCAD8604}" type="datetimeFigureOut">
               <a:rPr lang="zh-CN" altLang="en-US" smtClean="0"/>
-              <a:t>2019/8/9</a:t>
+              <a:t>2019/8/14</a:t>
             </a:fld>
             <a:endParaRPr lang="zh-CN" altLang="en-US"/>
           </a:p>
@@ -1865,7 +1873,7 @@
     </p:spTree>
     <p:extLst>
       <p:ext uri="{BB962C8B-B14F-4D97-AF65-F5344CB8AC3E}">
-        <p14:creationId xmlns:p14="http://schemas.microsoft.com/office/powerpoint/2010/main" val="3442140660"/>
+        <p14:creationId xmlns:p14="http://schemas.microsoft.com/office/powerpoint/2010/main" val="427397665"/>
       </p:ext>
     </p:extLst>
   </p:cSld>
@@ -1904,15 +1912,15 @@
         </p:nvSpPr>
         <p:spPr>
           <a:xfrm>
-            <a:off x="1500246" y="1559983"/>
-            <a:ext cx="7024778" cy="5459942"/>
+            <a:off x="1639119" y="609600"/>
+            <a:ext cx="7675030" cy="2133600"/>
           </a:xfrm>
         </p:spPr>
         <p:txBody>
           <a:bodyPr anchor="b"/>
           <a:lstStyle>
             <a:lvl1pPr>
-              <a:defRPr sz="7622"/>
+              <a:defRPr sz="4267"/>
             </a:lvl1pPr>
           </a:lstStyle>
           <a:p>
@@ -1936,39 +1944,39 @@
         </p:nvSpPr>
         <p:spPr>
           <a:xfrm>
-            <a:off x="9259549" y="3369136"/>
-            <a:ext cx="11026378" cy="16628989"/>
+            <a:off x="10116665" y="1316567"/>
+            <a:ext cx="12047041" cy="6498167"/>
           </a:xfrm>
         </p:spPr>
         <p:txBody>
           <a:bodyPr/>
           <a:lstStyle>
             <a:lvl1pPr>
-              <a:defRPr sz="7622"/>
+              <a:defRPr sz="4267"/>
             </a:lvl1pPr>
             <a:lvl2pPr>
-              <a:defRPr sz="6669"/>
+              <a:defRPr sz="3733"/>
             </a:lvl2pPr>
             <a:lvl3pPr>
-              <a:defRPr sz="5717"/>
+              <a:defRPr sz="3200"/>
             </a:lvl3pPr>
             <a:lvl4pPr>
-              <a:defRPr sz="4764"/>
+              <a:defRPr sz="2667"/>
             </a:lvl4pPr>
             <a:lvl5pPr>
-              <a:defRPr sz="4764"/>
+              <a:defRPr sz="2667"/>
             </a:lvl5pPr>
             <a:lvl6pPr>
-              <a:defRPr sz="4764"/>
+              <a:defRPr sz="2667"/>
             </a:lvl6pPr>
             <a:lvl7pPr>
-              <a:defRPr sz="4764"/>
+              <a:defRPr sz="2667"/>
             </a:lvl7pPr>
             <a:lvl8pPr>
-              <a:defRPr sz="4764"/>
+              <a:defRPr sz="2667"/>
             </a:lvl8pPr>
             <a:lvl9pPr>
-              <a:defRPr sz="4764"/>
+              <a:defRPr sz="2667"/>
             </a:lvl9pPr>
           </a:lstStyle>
           <a:p>
@@ -2021,8 +2029,8 @@
         </p:nvSpPr>
         <p:spPr>
           <a:xfrm>
-            <a:off x="1500246" y="7019925"/>
-            <a:ext cx="7024778" cy="13005279"/>
+            <a:off x="1639119" y="2743200"/>
+            <a:ext cx="7675030" cy="5082117"/>
           </a:xfrm>
         </p:spPr>
         <p:txBody>
@@ -2030,39 +2038,39 @@
           <a:lstStyle>
             <a:lvl1pPr marL="0" indent="0">
               <a:buNone/>
-              <a:defRPr sz="3811"/>
+              <a:defRPr sz="2133"/>
             </a:lvl1pPr>
-            <a:lvl2pPr marL="1089005" indent="0">
-              <a:buNone/>
-              <a:defRPr sz="3335"/>
+            <a:lvl2pPr marL="609585" indent="0">
+              <a:buNone/>
+              <a:defRPr sz="1867"/>
             </a:lvl2pPr>
-            <a:lvl3pPr marL="2178009" indent="0">
-              <a:buNone/>
-              <a:defRPr sz="2858"/>
+            <a:lvl3pPr marL="1219170" indent="0">
+              <a:buNone/>
+              <a:defRPr sz="1600"/>
             </a:lvl3pPr>
-            <a:lvl4pPr marL="3267014" indent="0">
-              <a:buNone/>
-              <a:defRPr sz="2382"/>
+            <a:lvl4pPr marL="1828754" indent="0">
+              <a:buNone/>
+              <a:defRPr sz="1333"/>
             </a:lvl4pPr>
-            <a:lvl5pPr marL="4356019" indent="0">
-              <a:buNone/>
-              <a:defRPr sz="2382"/>
+            <a:lvl5pPr marL="2438339" indent="0">
+              <a:buNone/>
+              <a:defRPr sz="1333"/>
             </a:lvl5pPr>
-            <a:lvl6pPr marL="5445023" indent="0">
-              <a:buNone/>
-              <a:defRPr sz="2382"/>
+            <a:lvl6pPr marL="3047924" indent="0">
+              <a:buNone/>
+              <a:defRPr sz="1333"/>
             </a:lvl6pPr>
-            <a:lvl7pPr marL="6534028" indent="0">
-              <a:buNone/>
-              <a:defRPr sz="2382"/>
+            <a:lvl7pPr marL="3657509" indent="0">
+              <a:buNone/>
+              <a:defRPr sz="1333"/>
             </a:lvl7pPr>
-            <a:lvl8pPr marL="7623033" indent="0">
-              <a:buNone/>
-              <a:defRPr sz="2382"/>
+            <a:lvl8pPr marL="4267093" indent="0">
+              <a:buNone/>
+              <a:defRPr sz="1333"/>
             </a:lvl8pPr>
-            <a:lvl9pPr marL="8712037" indent="0">
-              <a:buNone/>
-              <a:defRPr sz="2382"/>
+            <a:lvl9pPr marL="4876678" indent="0">
+              <a:buNone/>
+              <a:defRPr sz="1333"/>
             </a:lvl9pPr>
           </a:lstStyle>
           <a:p>
@@ -2091,7 +2099,7 @@
           <a:p>
             <a:fld id="{9522BF79-1D12-4B05-A18E-D620DCAD8604}" type="datetimeFigureOut">
               <a:rPr lang="zh-CN" altLang="en-US" smtClean="0"/>
-              <a:t>2019/8/9</a:t>
+              <a:t>2019/8/14</a:t>
             </a:fld>
             <a:endParaRPr lang="zh-CN" altLang="en-US"/>
           </a:p>
@@ -2142,7 +2150,7 @@
     </p:spTree>
     <p:extLst>
       <p:ext uri="{BB962C8B-B14F-4D97-AF65-F5344CB8AC3E}">
-        <p14:creationId xmlns:p14="http://schemas.microsoft.com/office/powerpoint/2010/main" val="4279196106"/>
+        <p14:creationId xmlns:p14="http://schemas.microsoft.com/office/powerpoint/2010/main" val="1971854214"/>
       </p:ext>
     </p:extLst>
   </p:cSld>
@@ -2181,15 +2189,15 @@
         </p:nvSpPr>
         <p:spPr>
           <a:xfrm>
-            <a:off x="1500246" y="1559983"/>
-            <a:ext cx="7024778" cy="5459942"/>
+            <a:off x="1639119" y="609600"/>
+            <a:ext cx="7675030" cy="2133600"/>
           </a:xfrm>
         </p:spPr>
         <p:txBody>
           <a:bodyPr anchor="b"/>
           <a:lstStyle>
             <a:lvl1pPr>
-              <a:defRPr sz="7622"/>
+              <a:defRPr sz="4267"/>
             </a:lvl1pPr>
           </a:lstStyle>
           <a:p>
@@ -2213,8 +2221,8 @@
         </p:nvSpPr>
         <p:spPr>
           <a:xfrm>
-            <a:off x="9259549" y="3369136"/>
-            <a:ext cx="11026378" cy="16628989"/>
+            <a:off x="10116665" y="1316567"/>
+            <a:ext cx="12047041" cy="6498167"/>
           </a:xfrm>
         </p:spPr>
         <p:txBody>
@@ -2222,39 +2230,39 @@
           <a:lstStyle>
             <a:lvl1pPr marL="0" indent="0">
               <a:buNone/>
-              <a:defRPr sz="7622"/>
+              <a:defRPr sz="4267"/>
             </a:lvl1pPr>
-            <a:lvl2pPr marL="1089005" indent="0">
-              <a:buNone/>
-              <a:defRPr sz="6669"/>
+            <a:lvl2pPr marL="609585" indent="0">
+              <a:buNone/>
+              <a:defRPr sz="3733"/>
             </a:lvl2pPr>
-            <a:lvl3pPr marL="2178009" indent="0">
-              <a:buNone/>
-              <a:defRPr sz="5717"/>
+            <a:lvl3pPr marL="1219170" indent="0">
+              <a:buNone/>
+              <a:defRPr sz="3200"/>
             </a:lvl3pPr>
-            <a:lvl4pPr marL="3267014" indent="0">
-              <a:buNone/>
-              <a:defRPr sz="4764"/>
+            <a:lvl4pPr marL="1828754" indent="0">
+              <a:buNone/>
+              <a:defRPr sz="2667"/>
             </a:lvl4pPr>
-            <a:lvl5pPr marL="4356019" indent="0">
-              <a:buNone/>
-              <a:defRPr sz="4764"/>
+            <a:lvl5pPr marL="2438339" indent="0">
+              <a:buNone/>
+              <a:defRPr sz="2667"/>
             </a:lvl5pPr>
-            <a:lvl6pPr marL="5445023" indent="0">
-              <a:buNone/>
-              <a:defRPr sz="4764"/>
+            <a:lvl6pPr marL="3047924" indent="0">
+              <a:buNone/>
+              <a:defRPr sz="2667"/>
             </a:lvl6pPr>
-            <a:lvl7pPr marL="6534028" indent="0">
-              <a:buNone/>
-              <a:defRPr sz="4764"/>
+            <a:lvl7pPr marL="3657509" indent="0">
+              <a:buNone/>
+              <a:defRPr sz="2667"/>
             </a:lvl7pPr>
-            <a:lvl8pPr marL="7623033" indent="0">
-              <a:buNone/>
-              <a:defRPr sz="4764"/>
+            <a:lvl8pPr marL="4267093" indent="0">
+              <a:buNone/>
+              <a:defRPr sz="2667"/>
             </a:lvl8pPr>
-            <a:lvl9pPr marL="8712037" indent="0">
-              <a:buNone/>
-              <a:defRPr sz="4764"/>
+            <a:lvl9pPr marL="4876678" indent="0">
+              <a:buNone/>
+              <a:defRPr sz="2667"/>
             </a:lvl9pPr>
           </a:lstStyle>
           <a:p>
@@ -2278,8 +2286,8 @@
         </p:nvSpPr>
         <p:spPr>
           <a:xfrm>
-            <a:off x="1500246" y="7019925"/>
-            <a:ext cx="7024778" cy="13005279"/>
+            <a:off x="1639119" y="2743200"/>
+            <a:ext cx="7675030" cy="5082117"/>
           </a:xfrm>
         </p:spPr>
         <p:txBody>
@@ -2287,39 +2295,39 @@
           <a:lstStyle>
             <a:lvl1pPr marL="0" indent="0">
               <a:buNone/>
-              <a:defRPr sz="3811"/>
+              <a:defRPr sz="2133"/>
             </a:lvl1pPr>
-            <a:lvl2pPr marL="1089005" indent="0">
-              <a:buNone/>
-              <a:defRPr sz="3335"/>
+            <a:lvl2pPr marL="609585" indent="0">
+              <a:buNone/>
+              <a:defRPr sz="1867"/>
             </a:lvl2pPr>
-            <a:lvl3pPr marL="2178009" indent="0">
-              <a:buNone/>
-              <a:defRPr sz="2858"/>
+            <a:lvl3pPr marL="1219170" indent="0">
+              <a:buNone/>
+              <a:defRPr sz="1600"/>
             </a:lvl3pPr>
-            <a:lvl4pPr marL="3267014" indent="0">
-              <a:buNone/>
-              <a:defRPr sz="2382"/>
+            <a:lvl4pPr marL="1828754" indent="0">
+              <a:buNone/>
+              <a:defRPr sz="1333"/>
             </a:lvl4pPr>
-            <a:lvl5pPr marL="4356019" indent="0">
-              <a:buNone/>
-              <a:defRPr sz="2382"/>
+            <a:lvl5pPr marL="2438339" indent="0">
+              <a:buNone/>
+              <a:defRPr sz="1333"/>
             </a:lvl5pPr>
-            <a:lvl6pPr marL="5445023" indent="0">
-              <a:buNone/>
-              <a:defRPr sz="2382"/>
+            <a:lvl6pPr marL="3047924" indent="0">
+              <a:buNone/>
+              <a:defRPr sz="1333"/>
             </a:lvl6pPr>
-            <a:lvl7pPr marL="6534028" indent="0">
-              <a:buNone/>
-              <a:defRPr sz="2382"/>
+            <a:lvl7pPr marL="3657509" indent="0">
+              <a:buNone/>
+              <a:defRPr sz="1333"/>
             </a:lvl7pPr>
-            <a:lvl8pPr marL="7623033" indent="0">
-              <a:buNone/>
-              <a:defRPr sz="2382"/>
+            <a:lvl8pPr marL="4267093" indent="0">
+              <a:buNone/>
+              <a:defRPr sz="1333"/>
             </a:lvl8pPr>
-            <a:lvl9pPr marL="8712037" indent="0">
-              <a:buNone/>
-              <a:defRPr sz="2382"/>
+            <a:lvl9pPr marL="4876678" indent="0">
+              <a:buNone/>
+              <a:defRPr sz="1333"/>
             </a:lvl9pPr>
           </a:lstStyle>
           <a:p>
@@ -2348,7 +2356,7 @@
           <a:p>
             <a:fld id="{9522BF79-1D12-4B05-A18E-D620DCAD8604}" type="datetimeFigureOut">
               <a:rPr lang="zh-CN" altLang="en-US" smtClean="0"/>
-              <a:t>2019/8/9</a:t>
+              <a:t>2019/8/14</a:t>
             </a:fld>
             <a:endParaRPr lang="zh-CN" altLang="en-US"/>
           </a:p>
@@ -2399,7 +2407,7 @@
     </p:spTree>
     <p:extLst>
       <p:ext uri="{BB962C8B-B14F-4D97-AF65-F5344CB8AC3E}">
-        <p14:creationId xmlns:p14="http://schemas.microsoft.com/office/powerpoint/2010/main" val="564645793"/>
+        <p14:creationId xmlns:p14="http://schemas.microsoft.com/office/powerpoint/2010/main" val="3707671855"/>
       </p:ext>
     </p:extLst>
   </p:cSld>
@@ -2443,8 +2451,8 @@
         </p:nvSpPr>
         <p:spPr>
           <a:xfrm>
-            <a:off x="1497410" y="1245825"/>
-            <a:ext cx="18785681" cy="4522870"/>
+            <a:off x="1636018" y="486834"/>
+            <a:ext cx="20524589" cy="1767417"/>
           </a:xfrm>
           <a:prstGeom prst="rect">
             <a:avLst/>
@@ -2476,8 +2484,8 @@
         </p:nvSpPr>
         <p:spPr>
           <a:xfrm>
-            <a:off x="1497410" y="6229100"/>
-            <a:ext cx="18785681" cy="14846926"/>
+            <a:off x="1636018" y="2434167"/>
+            <a:ext cx="20524589" cy="5801784"/>
           </a:xfrm>
           <a:prstGeom prst="rect">
             <a:avLst/>
@@ -2538,8 +2546,8 @@
         </p:nvSpPr>
         <p:spPr>
           <a:xfrm>
-            <a:off x="1497409" y="21688107"/>
-            <a:ext cx="4900613" cy="1245820"/>
+            <a:off x="1636018" y="8475134"/>
+            <a:ext cx="5354241" cy="486833"/>
           </a:xfrm>
           <a:prstGeom prst="rect">
             <a:avLst/>
@@ -2549,7 +2557,7 @@
           <a:bodyPr vert="horz" lIns="91440" tIns="45720" rIns="91440" bIns="45720" rtlCol="0" anchor="ctr"/>
           <a:lstStyle>
             <a:lvl1pPr algn="l">
-              <a:defRPr sz="2858">
+              <a:defRPr sz="1600">
                 <a:solidFill>
                   <a:schemeClr val="tx1">
                     <a:tint val="75000"/>
@@ -2561,7 +2569,7 @@
           <a:p>
             <a:fld id="{9522BF79-1D12-4B05-A18E-D620DCAD8604}" type="datetimeFigureOut">
               <a:rPr lang="zh-CN" altLang="en-US" smtClean="0"/>
-              <a:t>2019/8/9</a:t>
+              <a:t>2019/8/14</a:t>
             </a:fld>
             <a:endParaRPr lang="zh-CN" altLang="en-US"/>
           </a:p>
@@ -2579,8 +2587,8 @@
         </p:nvSpPr>
         <p:spPr>
           <a:xfrm>
-            <a:off x="7214791" y="21688107"/>
-            <a:ext cx="7350919" cy="1245820"/>
+            <a:off x="7882632" y="8475134"/>
+            <a:ext cx="8031361" cy="486833"/>
           </a:xfrm>
           <a:prstGeom prst="rect">
             <a:avLst/>
@@ -2590,7 +2598,7 @@
           <a:bodyPr vert="horz" lIns="91440" tIns="45720" rIns="91440" bIns="45720" rtlCol="0" anchor="ctr"/>
           <a:lstStyle>
             <a:lvl1pPr algn="ctr">
-              <a:defRPr sz="2858">
+              <a:defRPr sz="1600">
                 <a:solidFill>
                   <a:schemeClr val="tx1">
                     <a:tint val="75000"/>
@@ -2616,8 +2624,8 @@
         </p:nvSpPr>
         <p:spPr>
           <a:xfrm>
-            <a:off x="15382478" y="21688107"/>
-            <a:ext cx="4900613" cy="1245820"/>
+            <a:off x="16806366" y="8475134"/>
+            <a:ext cx="5354241" cy="486833"/>
           </a:xfrm>
           <a:prstGeom prst="rect">
             <a:avLst/>
@@ -2627,7 +2635,7 @@
           <a:bodyPr vert="horz" lIns="91440" tIns="45720" rIns="91440" bIns="45720" rtlCol="0" anchor="ctr"/>
           <a:lstStyle>
             <a:lvl1pPr algn="r">
-              <a:defRPr sz="2858">
+              <a:defRPr sz="1600">
                 <a:solidFill>
                   <a:schemeClr val="tx1">
                     <a:tint val="75000"/>
@@ -2648,27 +2656,27 @@
     </p:spTree>
     <p:extLst>
       <p:ext uri="{BB962C8B-B14F-4D97-AF65-F5344CB8AC3E}">
-        <p14:creationId xmlns:p14="http://schemas.microsoft.com/office/powerpoint/2010/main" val="3507403066"/>
+        <p14:creationId xmlns:p14="http://schemas.microsoft.com/office/powerpoint/2010/main" val="2189946754"/>
       </p:ext>
     </p:extLst>
   </p:cSld>
   <p:clrMap bg1="lt1" tx1="dk1" bg2="lt2" tx2="dk2" accent1="accent1" accent2="accent2" accent3="accent3" accent4="accent4" accent5="accent5" accent6="accent6" hlink="hlink" folHlink="folHlink"/>
   <p:sldLayoutIdLst>
-    <p:sldLayoutId id="2147483721" r:id="rId1"/>
-    <p:sldLayoutId id="2147483722" r:id="rId2"/>
-    <p:sldLayoutId id="2147483723" r:id="rId3"/>
-    <p:sldLayoutId id="2147483724" r:id="rId4"/>
-    <p:sldLayoutId id="2147483725" r:id="rId5"/>
-    <p:sldLayoutId id="2147483726" r:id="rId6"/>
-    <p:sldLayoutId id="2147483727" r:id="rId7"/>
-    <p:sldLayoutId id="2147483728" r:id="rId8"/>
-    <p:sldLayoutId id="2147483729" r:id="rId9"/>
-    <p:sldLayoutId id="2147483730" r:id="rId10"/>
-    <p:sldLayoutId id="2147483731" r:id="rId11"/>
+    <p:sldLayoutId id="2147483745" r:id="rId1"/>
+    <p:sldLayoutId id="2147483746" r:id="rId2"/>
+    <p:sldLayoutId id="2147483747" r:id="rId3"/>
+    <p:sldLayoutId id="2147483748" r:id="rId4"/>
+    <p:sldLayoutId id="2147483749" r:id="rId5"/>
+    <p:sldLayoutId id="2147483750" r:id="rId6"/>
+    <p:sldLayoutId id="2147483751" r:id="rId7"/>
+    <p:sldLayoutId id="2147483752" r:id="rId8"/>
+    <p:sldLayoutId id="2147483753" r:id="rId9"/>
+    <p:sldLayoutId id="2147483754" r:id="rId10"/>
+    <p:sldLayoutId id="2147483755" r:id="rId11"/>
   </p:sldLayoutIdLst>
   <p:txStyles>
     <p:titleStyle>
-      <a:lvl1pPr algn="l" defTabSz="2178009" rtl="0" eaLnBrk="1" latinLnBrk="0" hangingPunct="1">
+      <a:lvl1pPr algn="l" defTabSz="1219170" rtl="0" eaLnBrk="1" latinLnBrk="0" hangingPunct="1">
         <a:lnSpc>
           <a:spcPct val="90000"/>
         </a:lnSpc>
@@ -2676,7 +2684,7 @@
           <a:spcPct val="0"/>
         </a:spcBef>
         <a:buNone/>
-        <a:defRPr sz="10480" kern="1200">
+        <a:defRPr sz="5867" kern="1200">
           <a:solidFill>
             <a:schemeClr val="tx1"/>
           </a:solidFill>
@@ -2687,16 +2695,16 @@
       </a:lvl1pPr>
     </p:titleStyle>
     <p:bodyStyle>
-      <a:lvl1pPr marL="544502" indent="-544502" algn="l" defTabSz="2178009" rtl="0" eaLnBrk="1" latinLnBrk="0" hangingPunct="1">
+      <a:lvl1pPr marL="304792" indent="-304792" algn="l" defTabSz="1219170" rtl="0" eaLnBrk="1" latinLnBrk="0" hangingPunct="1">
         <a:lnSpc>
           <a:spcPct val="90000"/>
         </a:lnSpc>
         <a:spcBef>
-          <a:spcPts val="2382"/>
+          <a:spcPts val="1333"/>
         </a:spcBef>
         <a:buFont typeface="Arial" panose="020B0604020202020204" pitchFamily="34" charset="0"/>
         <a:buChar char="•"/>
-        <a:defRPr sz="6669" kern="1200">
+        <a:defRPr sz="3733" kern="1200">
           <a:solidFill>
             <a:schemeClr val="tx1"/>
           </a:solidFill>
@@ -2705,16 +2713,16 @@
           <a:cs typeface="+mn-cs"/>
         </a:defRPr>
       </a:lvl1pPr>
-      <a:lvl2pPr marL="1633507" indent="-544502" algn="l" defTabSz="2178009" rtl="0" eaLnBrk="1" latinLnBrk="0" hangingPunct="1">
+      <a:lvl2pPr marL="914377" indent="-304792" algn="l" defTabSz="1219170" rtl="0" eaLnBrk="1" latinLnBrk="0" hangingPunct="1">
         <a:lnSpc>
           <a:spcPct val="90000"/>
         </a:lnSpc>
         <a:spcBef>
-          <a:spcPts val="1191"/>
+          <a:spcPts val="667"/>
         </a:spcBef>
         <a:buFont typeface="Arial" panose="020B0604020202020204" pitchFamily="34" charset="0"/>
         <a:buChar char="•"/>
-        <a:defRPr sz="5717" kern="1200">
+        <a:defRPr sz="3200" kern="1200">
           <a:solidFill>
             <a:schemeClr val="tx1"/>
           </a:solidFill>
@@ -2723,16 +2731,16 @@
           <a:cs typeface="+mn-cs"/>
         </a:defRPr>
       </a:lvl2pPr>
-      <a:lvl3pPr marL="2722512" indent="-544502" algn="l" defTabSz="2178009" rtl="0" eaLnBrk="1" latinLnBrk="0" hangingPunct="1">
+      <a:lvl3pPr marL="1523962" indent="-304792" algn="l" defTabSz="1219170" rtl="0" eaLnBrk="1" latinLnBrk="0" hangingPunct="1">
         <a:lnSpc>
           <a:spcPct val="90000"/>
         </a:lnSpc>
         <a:spcBef>
-          <a:spcPts val="1191"/>
+          <a:spcPts val="667"/>
         </a:spcBef>
         <a:buFont typeface="Arial" panose="020B0604020202020204" pitchFamily="34" charset="0"/>
         <a:buChar char="•"/>
-        <a:defRPr sz="4764" kern="1200">
+        <a:defRPr sz="2667" kern="1200">
           <a:solidFill>
             <a:schemeClr val="tx1"/>
           </a:solidFill>
@@ -2741,16 +2749,16 @@
           <a:cs typeface="+mn-cs"/>
         </a:defRPr>
       </a:lvl3pPr>
-      <a:lvl4pPr marL="3811516" indent="-544502" algn="l" defTabSz="2178009" rtl="0" eaLnBrk="1" latinLnBrk="0" hangingPunct="1">
+      <a:lvl4pPr marL="2133547" indent="-304792" algn="l" defTabSz="1219170" rtl="0" eaLnBrk="1" latinLnBrk="0" hangingPunct="1">
         <a:lnSpc>
           <a:spcPct val="90000"/>
         </a:lnSpc>
         <a:spcBef>
-          <a:spcPts val="1191"/>
+          <a:spcPts val="667"/>
         </a:spcBef>
         <a:buFont typeface="Arial" panose="020B0604020202020204" pitchFamily="34" charset="0"/>
         <a:buChar char="•"/>
-        <a:defRPr sz="4287" kern="1200">
+        <a:defRPr sz="2400" kern="1200">
           <a:solidFill>
             <a:schemeClr val="tx1"/>
           </a:solidFill>
@@ -2759,16 +2767,16 @@
           <a:cs typeface="+mn-cs"/>
         </a:defRPr>
       </a:lvl4pPr>
-      <a:lvl5pPr marL="4900521" indent="-544502" algn="l" defTabSz="2178009" rtl="0" eaLnBrk="1" latinLnBrk="0" hangingPunct="1">
+      <a:lvl5pPr marL="2743131" indent="-304792" algn="l" defTabSz="1219170" rtl="0" eaLnBrk="1" latinLnBrk="0" hangingPunct="1">
         <a:lnSpc>
           <a:spcPct val="90000"/>
         </a:lnSpc>
         <a:spcBef>
-          <a:spcPts val="1191"/>
+          <a:spcPts val="667"/>
         </a:spcBef>
         <a:buFont typeface="Arial" panose="020B0604020202020204" pitchFamily="34" charset="0"/>
         <a:buChar char="•"/>
-        <a:defRPr sz="4287" kern="1200">
+        <a:defRPr sz="2400" kern="1200">
           <a:solidFill>
             <a:schemeClr val="tx1"/>
           </a:solidFill>
@@ -2777,16 +2785,16 @@
           <a:cs typeface="+mn-cs"/>
         </a:defRPr>
       </a:lvl5pPr>
-      <a:lvl6pPr marL="5989526" indent="-544502" algn="l" defTabSz="2178009" rtl="0" eaLnBrk="1" latinLnBrk="0" hangingPunct="1">
+      <a:lvl6pPr marL="3352716" indent="-304792" algn="l" defTabSz="1219170" rtl="0" eaLnBrk="1" latinLnBrk="0" hangingPunct="1">
         <a:lnSpc>
           <a:spcPct val="90000"/>
         </a:lnSpc>
         <a:spcBef>
-          <a:spcPts val="1191"/>
+          <a:spcPts val="667"/>
         </a:spcBef>
         <a:buFont typeface="Arial" panose="020B0604020202020204" pitchFamily="34" charset="0"/>
         <a:buChar char="•"/>
-        <a:defRPr sz="4287" kern="1200">
+        <a:defRPr sz="2400" kern="1200">
           <a:solidFill>
             <a:schemeClr val="tx1"/>
           </a:solidFill>
@@ -2795,16 +2803,16 @@
           <a:cs typeface="+mn-cs"/>
         </a:defRPr>
       </a:lvl6pPr>
-      <a:lvl7pPr marL="7078530" indent="-544502" algn="l" defTabSz="2178009" rtl="0" eaLnBrk="1" latinLnBrk="0" hangingPunct="1">
+      <a:lvl7pPr marL="3962301" indent="-304792" algn="l" defTabSz="1219170" rtl="0" eaLnBrk="1" latinLnBrk="0" hangingPunct="1">
         <a:lnSpc>
           <a:spcPct val="90000"/>
         </a:lnSpc>
         <a:spcBef>
-          <a:spcPts val="1191"/>
+          <a:spcPts val="667"/>
         </a:spcBef>
         <a:buFont typeface="Arial" panose="020B0604020202020204" pitchFamily="34" charset="0"/>
         <a:buChar char="•"/>
-        <a:defRPr sz="4287" kern="1200">
+        <a:defRPr sz="2400" kern="1200">
           <a:solidFill>
             <a:schemeClr val="tx1"/>
           </a:solidFill>
@@ -2813,16 +2821,16 @@
           <a:cs typeface="+mn-cs"/>
         </a:defRPr>
       </a:lvl7pPr>
-      <a:lvl8pPr marL="8167535" indent="-544502" algn="l" defTabSz="2178009" rtl="0" eaLnBrk="1" latinLnBrk="0" hangingPunct="1">
+      <a:lvl8pPr marL="4571886" indent="-304792" algn="l" defTabSz="1219170" rtl="0" eaLnBrk="1" latinLnBrk="0" hangingPunct="1">
         <a:lnSpc>
           <a:spcPct val="90000"/>
         </a:lnSpc>
         <a:spcBef>
-          <a:spcPts val="1191"/>
+          <a:spcPts val="667"/>
         </a:spcBef>
         <a:buFont typeface="Arial" panose="020B0604020202020204" pitchFamily="34" charset="0"/>
         <a:buChar char="•"/>
-        <a:defRPr sz="4287" kern="1200">
+        <a:defRPr sz="2400" kern="1200">
           <a:solidFill>
             <a:schemeClr val="tx1"/>
           </a:solidFill>
@@ -2831,16 +2839,16 @@
           <a:cs typeface="+mn-cs"/>
         </a:defRPr>
       </a:lvl8pPr>
-      <a:lvl9pPr marL="9256540" indent="-544502" algn="l" defTabSz="2178009" rtl="0" eaLnBrk="1" latinLnBrk="0" hangingPunct="1">
+      <a:lvl9pPr marL="5181470" indent="-304792" algn="l" defTabSz="1219170" rtl="0" eaLnBrk="1" latinLnBrk="0" hangingPunct="1">
         <a:lnSpc>
           <a:spcPct val="90000"/>
         </a:lnSpc>
         <a:spcBef>
-          <a:spcPts val="1191"/>
+          <a:spcPts val="667"/>
         </a:spcBef>
         <a:buFont typeface="Arial" panose="020B0604020202020204" pitchFamily="34" charset="0"/>
         <a:buChar char="•"/>
-        <a:defRPr sz="4287" kern="1200">
+        <a:defRPr sz="2400" kern="1200">
           <a:solidFill>
             <a:schemeClr val="tx1"/>
           </a:solidFill>
@@ -2854,8 +2862,8 @@
       <a:defPPr>
         <a:defRPr lang="en-US"/>
       </a:defPPr>
-      <a:lvl1pPr marL="0" algn="l" defTabSz="2178009" rtl="0" eaLnBrk="1" latinLnBrk="0" hangingPunct="1">
-        <a:defRPr sz="4287" kern="1200">
+      <a:lvl1pPr marL="0" algn="l" defTabSz="1219170" rtl="0" eaLnBrk="1" latinLnBrk="0" hangingPunct="1">
+        <a:defRPr sz="2400" kern="1200">
           <a:solidFill>
             <a:schemeClr val="tx1"/>
           </a:solidFill>
@@ -2864,8 +2872,8 @@
           <a:cs typeface="+mn-cs"/>
         </a:defRPr>
       </a:lvl1pPr>
-      <a:lvl2pPr marL="1089005" algn="l" defTabSz="2178009" rtl="0" eaLnBrk="1" latinLnBrk="0" hangingPunct="1">
-        <a:defRPr sz="4287" kern="1200">
+      <a:lvl2pPr marL="609585" algn="l" defTabSz="1219170" rtl="0" eaLnBrk="1" latinLnBrk="0" hangingPunct="1">
+        <a:defRPr sz="2400" kern="1200">
           <a:solidFill>
             <a:schemeClr val="tx1"/>
           </a:solidFill>
@@ -2874,8 +2882,8 @@
           <a:cs typeface="+mn-cs"/>
         </a:defRPr>
       </a:lvl2pPr>
-      <a:lvl3pPr marL="2178009" algn="l" defTabSz="2178009" rtl="0" eaLnBrk="1" latinLnBrk="0" hangingPunct="1">
-        <a:defRPr sz="4287" kern="1200">
+      <a:lvl3pPr marL="1219170" algn="l" defTabSz="1219170" rtl="0" eaLnBrk="1" latinLnBrk="0" hangingPunct="1">
+        <a:defRPr sz="2400" kern="1200">
           <a:solidFill>
             <a:schemeClr val="tx1"/>
           </a:solidFill>
@@ -2884,8 +2892,8 @@
           <a:cs typeface="+mn-cs"/>
         </a:defRPr>
       </a:lvl3pPr>
-      <a:lvl4pPr marL="3267014" algn="l" defTabSz="2178009" rtl="0" eaLnBrk="1" latinLnBrk="0" hangingPunct="1">
-        <a:defRPr sz="4287" kern="1200">
+      <a:lvl4pPr marL="1828754" algn="l" defTabSz="1219170" rtl="0" eaLnBrk="1" latinLnBrk="0" hangingPunct="1">
+        <a:defRPr sz="2400" kern="1200">
           <a:solidFill>
             <a:schemeClr val="tx1"/>
           </a:solidFill>
@@ -2894,8 +2902,8 @@
           <a:cs typeface="+mn-cs"/>
         </a:defRPr>
       </a:lvl4pPr>
-      <a:lvl5pPr marL="4356019" algn="l" defTabSz="2178009" rtl="0" eaLnBrk="1" latinLnBrk="0" hangingPunct="1">
-        <a:defRPr sz="4287" kern="1200">
+      <a:lvl5pPr marL="2438339" algn="l" defTabSz="1219170" rtl="0" eaLnBrk="1" latinLnBrk="0" hangingPunct="1">
+        <a:defRPr sz="2400" kern="1200">
           <a:solidFill>
             <a:schemeClr val="tx1"/>
           </a:solidFill>
@@ -2904,8 +2912,8 @@
           <a:cs typeface="+mn-cs"/>
         </a:defRPr>
       </a:lvl5pPr>
-      <a:lvl6pPr marL="5445023" algn="l" defTabSz="2178009" rtl="0" eaLnBrk="1" latinLnBrk="0" hangingPunct="1">
-        <a:defRPr sz="4287" kern="1200">
+      <a:lvl6pPr marL="3047924" algn="l" defTabSz="1219170" rtl="0" eaLnBrk="1" latinLnBrk="0" hangingPunct="1">
+        <a:defRPr sz="2400" kern="1200">
           <a:solidFill>
             <a:schemeClr val="tx1"/>
           </a:solidFill>
@@ -2914,8 +2922,8 @@
           <a:cs typeface="+mn-cs"/>
         </a:defRPr>
       </a:lvl6pPr>
-      <a:lvl7pPr marL="6534028" algn="l" defTabSz="2178009" rtl="0" eaLnBrk="1" latinLnBrk="0" hangingPunct="1">
-        <a:defRPr sz="4287" kern="1200">
+      <a:lvl7pPr marL="3657509" algn="l" defTabSz="1219170" rtl="0" eaLnBrk="1" latinLnBrk="0" hangingPunct="1">
+        <a:defRPr sz="2400" kern="1200">
           <a:solidFill>
             <a:schemeClr val="tx1"/>
           </a:solidFill>
@@ -2924,8 +2932,8 @@
           <a:cs typeface="+mn-cs"/>
         </a:defRPr>
       </a:lvl7pPr>
-      <a:lvl8pPr marL="7623033" algn="l" defTabSz="2178009" rtl="0" eaLnBrk="1" latinLnBrk="0" hangingPunct="1">
-        <a:defRPr sz="4287" kern="1200">
+      <a:lvl8pPr marL="4267093" algn="l" defTabSz="1219170" rtl="0" eaLnBrk="1" latinLnBrk="0" hangingPunct="1">
+        <a:defRPr sz="2400" kern="1200">
           <a:solidFill>
             <a:schemeClr val="tx1"/>
           </a:solidFill>
@@ -2934,8 +2942,8 @@
           <a:cs typeface="+mn-cs"/>
         </a:defRPr>
       </a:lvl8pPr>
-      <a:lvl9pPr marL="8712037" algn="l" defTabSz="2178009" rtl="0" eaLnBrk="1" latinLnBrk="0" hangingPunct="1">
-        <a:defRPr sz="4287" kern="1200">
+      <a:lvl9pPr marL="4876678" algn="l" defTabSz="1219170" rtl="0" eaLnBrk="1" latinLnBrk="0" hangingPunct="1">
+        <a:defRPr sz="2400" kern="1200">
           <a:solidFill>
             <a:schemeClr val="tx1"/>
           </a:solidFill>
@@ -2993,8 +3001,8 @@
         </p:blipFill>
         <p:spPr>
           <a:xfrm rot="10800000" flipH="1" flipV="1">
-            <a:off x="6132168" y="19073509"/>
-            <a:ext cx="4312003" cy="4271996"/>
+            <a:off x="7769696" y="10970157"/>
+            <a:ext cx="3741556" cy="3706841"/>
           </a:xfrm>
           <a:prstGeom prst="rect">
             <a:avLst/>
@@ -3028,8 +3036,8 @@
         </p:blipFill>
         <p:spPr>
           <a:xfrm rot="10800000" flipH="1" flipV="1">
-            <a:off x="14867472" y="19047702"/>
-            <a:ext cx="4677671" cy="4370917"/>
+            <a:off x="15349376" y="10947763"/>
+            <a:ext cx="4058848" cy="3792675"/>
           </a:xfrm>
           <a:prstGeom prst="rect">
             <a:avLst/>
@@ -3063,8 +3071,8 @@
         </p:blipFill>
         <p:spPr>
           <a:xfrm rot="10800000" flipH="1" flipV="1">
-            <a:off x="6350735" y="14390334"/>
-            <a:ext cx="3874870" cy="4345669"/>
+            <a:off x="7959343" y="6906534"/>
+            <a:ext cx="3362253" cy="3770767"/>
           </a:xfrm>
           <a:prstGeom prst="rect">
             <a:avLst/>
@@ -3098,8 +3106,8 @@
         </p:blipFill>
         <p:spPr>
           <a:xfrm rot="10800000" flipH="1" flipV="1">
-            <a:off x="6056949" y="3366031"/>
-            <a:ext cx="5069305" cy="4573536"/>
+            <a:off x="7704426" y="-2659334"/>
+            <a:ext cx="4398672" cy="3968489"/>
           </a:xfrm>
           <a:prstGeom prst="rect">
             <a:avLst/>
@@ -3120,8 +3128,8 @@
         </p:nvSpPr>
         <p:spPr>
           <a:xfrm>
-            <a:off x="603185" y="1477187"/>
-            <a:ext cx="6376946" cy="461665"/>
+            <a:off x="2972159" y="-4298297"/>
+            <a:ext cx="5533319" cy="412870"/>
           </a:xfrm>
           <a:prstGeom prst="rect">
             <a:avLst/>
@@ -3135,7 +3143,7 @@
           <a:lstStyle/>
           <a:p>
             <a:r>
-              <a:rPr lang="en-US" altLang="zh-CN" sz="2400" dirty="0">
+              <a:rPr lang="en-US" altLang="zh-CN" sz="2083" dirty="0">
                 <a:effectLst>
                   <a:outerShdw blurRad="38100" dist="38100" dir="2700000" algn="tl">
                     <a:srgbClr val="000000">
@@ -3149,7 +3157,7 @@
               <a:t>Dataset: </a:t>
             </a:r>
             <a:r>
-              <a:rPr lang="en-US" altLang="zh-CN" sz="2400" dirty="0" err="1">
+              <a:rPr lang="en-US" altLang="zh-CN" sz="2083" dirty="0" err="1">
                 <a:effectLst>
                   <a:outerShdw blurRad="38100" dist="38100" dir="2700000" algn="tl">
                     <a:srgbClr val="000000">
@@ -3163,7 +3171,7 @@
               <a:t>TUDataset</a:t>
             </a:r>
             <a:r>
-              <a:rPr lang="en-US" altLang="zh-CN" sz="2400" dirty="0">
+              <a:rPr lang="en-US" altLang="zh-CN" sz="2083" dirty="0">
                 <a:effectLst>
                   <a:outerShdw blurRad="38100" dist="38100" dir="2700000" algn="tl">
                     <a:srgbClr val="000000">
@@ -3176,7 +3184,7 @@
               </a:rPr>
               <a:t> TRIANGLES</a:t>
             </a:r>
-            <a:endParaRPr lang="zh-CN" altLang="en-US" sz="2400" dirty="0">
+            <a:endParaRPr lang="zh-CN" altLang="en-US" sz="2083" dirty="0">
               <a:effectLst>
                 <a:outerShdw blurRad="38100" dist="38100" dir="2700000" algn="tl">
                   <a:srgbClr val="000000">
@@ -3204,8 +3212,8 @@
         </p:nvSpPr>
         <p:spPr>
           <a:xfrm>
-            <a:off x="603185" y="2211889"/>
-            <a:ext cx="6376946" cy="461665"/>
+            <a:off x="2972159" y="-3660790"/>
+            <a:ext cx="5533319" cy="412870"/>
           </a:xfrm>
           <a:prstGeom prst="rect">
             <a:avLst/>
@@ -3219,7 +3227,7 @@
           <a:lstStyle/>
           <a:p>
             <a:r>
-              <a:rPr lang="en-US" altLang="zh-CN" sz="2400" dirty="0">
+              <a:rPr lang="en-US" altLang="zh-CN" sz="2083" dirty="0">
                 <a:effectLst>
                   <a:outerShdw blurRad="38100" dist="38100" dir="2700000" algn="tl">
                     <a:srgbClr val="000000">
@@ -3233,7 +3241,7 @@
               <a:t>Pooling config: </a:t>
             </a:r>
             <a:r>
-              <a:rPr lang="en-US" altLang="zh-CN" sz="2400" dirty="0" err="1">
+              <a:rPr lang="en-US" altLang="zh-CN" sz="2083" dirty="0" err="1">
                 <a:effectLst>
                   <a:outerShdw blurRad="38100" dist="38100" dir="2700000" algn="tl">
                     <a:srgbClr val="000000">
@@ -3247,7 +3255,7 @@
               <a:t>min_score</a:t>
             </a:r>
             <a:r>
-              <a:rPr lang="en-US" altLang="zh-CN" sz="2400" dirty="0">
+              <a:rPr lang="en-US" altLang="zh-CN" sz="2083" dirty="0">
                 <a:effectLst>
                   <a:outerShdw blurRad="38100" dist="38100" dir="2700000" algn="tl">
                     <a:srgbClr val="000000">
@@ -3260,7 +3268,7 @@
               </a:rPr>
               <a:t>=0.001</a:t>
             </a:r>
-            <a:endParaRPr lang="zh-CN" altLang="en-US" sz="2400" dirty="0">
+            <a:endParaRPr lang="zh-CN" altLang="en-US" sz="2083" dirty="0">
               <a:effectLst>
                 <a:outerShdw blurRad="38100" dist="38100" dir="2700000" algn="tl">
                   <a:srgbClr val="000000">
@@ -3288,8 +3296,8 @@
         </p:nvSpPr>
         <p:spPr>
           <a:xfrm>
-            <a:off x="603185" y="13161547"/>
-            <a:ext cx="6376946" cy="461665"/>
+            <a:off x="2972159" y="5840307"/>
+            <a:ext cx="5533319" cy="412870"/>
           </a:xfrm>
           <a:prstGeom prst="rect">
             <a:avLst/>
@@ -3303,7 +3311,7 @@
           <a:lstStyle/>
           <a:p>
             <a:r>
-              <a:rPr lang="en-US" altLang="zh-CN" sz="2400" dirty="0">
+              <a:rPr lang="en-US" altLang="zh-CN" sz="2083" dirty="0">
                 <a:effectLst>
                   <a:outerShdw blurRad="38100" dist="38100" dir="2700000" algn="tl">
                     <a:srgbClr val="000000">
@@ -3316,7 +3324,7 @@
               </a:rPr>
               <a:t>Pooling config: ratio=0.5</a:t>
             </a:r>
-            <a:endParaRPr lang="zh-CN" altLang="en-US" sz="2400" dirty="0">
+            <a:endParaRPr lang="zh-CN" altLang="en-US" sz="2083" dirty="0">
               <a:effectLst>
                 <a:outerShdw blurRad="38100" dist="38100" dir="2700000" algn="tl">
                   <a:srgbClr val="000000">
@@ -3344,8 +3352,8 @@
         </p:nvSpPr>
         <p:spPr>
           <a:xfrm>
-            <a:off x="614472" y="3074557"/>
-            <a:ext cx="2464904" cy="461665"/>
+            <a:off x="2981948" y="-2912246"/>
+            <a:ext cx="2138814" cy="412870"/>
           </a:xfrm>
           <a:prstGeom prst="rect">
             <a:avLst/>
@@ -3359,7 +3367,7 @@
           <a:lstStyle/>
           <a:p>
             <a:r>
-              <a:rPr lang="en-US" altLang="zh-CN" sz="2400" dirty="0">
+              <a:rPr lang="en-US" altLang="zh-CN" sz="2083" dirty="0">
                 <a:effectLst>
                   <a:outerShdw blurRad="38100" dist="38100" dir="2700000" algn="tl">
                     <a:srgbClr val="000000">
@@ -3372,7 +3380,7 @@
               </a:rPr>
               <a:t>Origin Graph</a:t>
             </a:r>
-            <a:endParaRPr lang="zh-CN" altLang="en-US" sz="2400" dirty="0">
+            <a:endParaRPr lang="zh-CN" altLang="en-US" sz="2083" dirty="0">
               <a:effectLst>
                 <a:outerShdw blurRad="38100" dist="38100" dir="2700000" algn="tl">
                   <a:srgbClr val="000000">
@@ -3400,8 +3408,8 @@
         </p:nvSpPr>
         <p:spPr>
           <a:xfrm>
-            <a:off x="15478742" y="2834079"/>
-            <a:ext cx="2464904" cy="461665"/>
+            <a:off x="15879779" y="-3120908"/>
+            <a:ext cx="2138814" cy="412870"/>
           </a:xfrm>
           <a:prstGeom prst="rect">
             <a:avLst/>
@@ -3415,7 +3423,7 @@
           <a:lstStyle/>
           <a:p>
             <a:r>
-              <a:rPr lang="en-US" altLang="zh-CN" sz="2400" dirty="0">
+              <a:rPr lang="en-US" altLang="zh-CN" sz="2083" dirty="0">
                 <a:effectLst>
                   <a:outerShdw blurRad="38100" dist="38100" dir="2700000" algn="tl">
                     <a:srgbClr val="000000">
@@ -3428,7 +3436,7 @@
               </a:rPr>
               <a:t>After SAG2</a:t>
             </a:r>
-            <a:endParaRPr lang="zh-CN" altLang="en-US" sz="2400" dirty="0">
+            <a:endParaRPr lang="zh-CN" altLang="en-US" sz="2083" dirty="0">
               <a:effectLst>
                 <a:outerShdw blurRad="38100" dist="38100" dir="2700000" algn="tl">
                   <a:srgbClr val="000000">
@@ -3456,8 +3464,8 @@
         </p:nvSpPr>
         <p:spPr>
           <a:xfrm>
-            <a:off x="7359148" y="2834080"/>
-            <a:ext cx="2464904" cy="461665"/>
+            <a:off x="8834350" y="-3120908"/>
+            <a:ext cx="2138814" cy="412870"/>
           </a:xfrm>
           <a:prstGeom prst="rect">
             <a:avLst/>
@@ -3471,7 +3479,7 @@
           <a:lstStyle/>
           <a:p>
             <a:r>
-              <a:rPr lang="en-US" altLang="zh-CN" sz="2400" dirty="0">
+              <a:rPr lang="en-US" altLang="zh-CN" sz="2083" dirty="0">
                 <a:effectLst>
                   <a:outerShdw blurRad="38100" dist="38100" dir="2700000" algn="tl">
                     <a:srgbClr val="000000">
@@ -3484,7 +3492,7 @@
               </a:rPr>
               <a:t>After SAG1</a:t>
             </a:r>
-            <a:endParaRPr lang="zh-CN" altLang="en-US" sz="2400" dirty="0">
+            <a:endParaRPr lang="zh-CN" altLang="en-US" sz="2083" dirty="0">
               <a:effectLst>
                 <a:outerShdw blurRad="38100" dist="38100" dir="2700000" algn="tl">
                   <a:srgbClr val="000000">
@@ -3512,8 +3520,8 @@
         </p:nvSpPr>
         <p:spPr>
           <a:xfrm>
-            <a:off x="7359148" y="7981757"/>
-            <a:ext cx="2464904" cy="461665"/>
+            <a:off x="8834350" y="1345767"/>
+            <a:ext cx="2138814" cy="412870"/>
           </a:xfrm>
           <a:prstGeom prst="rect">
             <a:avLst/>
@@ -3527,7 +3535,7 @@
           <a:lstStyle/>
           <a:p>
             <a:r>
-              <a:rPr lang="en-US" altLang="zh-CN" sz="2400" dirty="0">
+              <a:rPr lang="en-US" altLang="zh-CN" sz="2083" dirty="0">
                 <a:effectLst>
                   <a:outerShdw blurRad="38100" dist="38100" dir="2700000" algn="tl">
                     <a:srgbClr val="000000">
@@ -3540,7 +3548,7 @@
               </a:rPr>
               <a:t>After TOPK1</a:t>
             </a:r>
-            <a:endParaRPr lang="zh-CN" altLang="en-US" sz="2400" dirty="0">
+            <a:endParaRPr lang="zh-CN" altLang="en-US" sz="2083" dirty="0">
               <a:effectLst>
                 <a:outerShdw blurRad="38100" dist="38100" dir="2700000" algn="tl">
                   <a:srgbClr val="000000">
@@ -3568,8 +3576,8 @@
         </p:nvSpPr>
         <p:spPr>
           <a:xfrm>
-            <a:off x="15723554" y="7936320"/>
-            <a:ext cx="2464904" cy="461665"/>
+            <a:off x="16092204" y="1306338"/>
+            <a:ext cx="2138814" cy="412870"/>
           </a:xfrm>
           <a:prstGeom prst="rect">
             <a:avLst/>
@@ -3583,7 +3591,7 @@
           <a:lstStyle/>
           <a:p>
             <a:r>
-              <a:rPr lang="en-US" altLang="zh-CN" sz="2400" dirty="0">
+              <a:rPr lang="en-US" altLang="zh-CN" sz="2083" dirty="0">
                 <a:effectLst>
                   <a:outerShdw blurRad="38100" dist="38100" dir="2700000" algn="tl">
                     <a:srgbClr val="000000">
@@ -3596,7 +3604,7 @@
               </a:rPr>
               <a:t>After TOPK1</a:t>
             </a:r>
-            <a:endParaRPr lang="zh-CN" altLang="en-US" sz="2400" dirty="0">
+            <a:endParaRPr lang="zh-CN" altLang="en-US" sz="2083" dirty="0">
               <a:effectLst>
                 <a:outerShdw blurRad="38100" dist="38100" dir="2700000" algn="tl">
                   <a:srgbClr val="000000">
@@ -3624,8 +3632,8 @@
         </p:nvSpPr>
         <p:spPr>
           <a:xfrm>
-            <a:off x="614472" y="14093612"/>
-            <a:ext cx="2464904" cy="461665"/>
+            <a:off x="2981948" y="6649064"/>
+            <a:ext cx="2138814" cy="412870"/>
           </a:xfrm>
           <a:prstGeom prst="rect">
             <a:avLst/>
@@ -3639,7 +3647,7 @@
           <a:lstStyle/>
           <a:p>
             <a:r>
-              <a:rPr lang="en-US" altLang="zh-CN" sz="2400" dirty="0">
+              <a:rPr lang="en-US" altLang="zh-CN" sz="2083" dirty="0">
                 <a:effectLst>
                   <a:outerShdw blurRad="38100" dist="38100" dir="2700000" algn="tl">
                     <a:srgbClr val="000000">
@@ -3652,7 +3660,7 @@
               </a:rPr>
               <a:t>Origin Graph</a:t>
             </a:r>
-            <a:endParaRPr lang="zh-CN" altLang="en-US" sz="2400" dirty="0">
+            <a:endParaRPr lang="zh-CN" altLang="en-US" sz="2083" dirty="0">
               <a:effectLst>
                 <a:outerShdw blurRad="38100" dist="38100" dir="2700000" algn="tl">
                   <a:srgbClr val="000000">
@@ -3680,8 +3688,8 @@
         </p:nvSpPr>
         <p:spPr>
           <a:xfrm>
-            <a:off x="16056941" y="14093612"/>
-            <a:ext cx="2464904" cy="461665"/>
+            <a:off x="16381486" y="6649064"/>
+            <a:ext cx="2138814" cy="412870"/>
           </a:xfrm>
           <a:prstGeom prst="rect">
             <a:avLst/>
@@ -3695,7 +3703,7 @@
           <a:lstStyle/>
           <a:p>
             <a:r>
-              <a:rPr lang="en-US" altLang="zh-CN" sz="2400" dirty="0">
+              <a:rPr lang="en-US" altLang="zh-CN" sz="2083" dirty="0">
                 <a:effectLst>
                   <a:outerShdw blurRad="38100" dist="38100" dir="2700000" algn="tl">
                     <a:srgbClr val="000000">
@@ -3708,7 +3716,7 @@
               </a:rPr>
               <a:t>After SAG2</a:t>
             </a:r>
-            <a:endParaRPr lang="zh-CN" altLang="en-US" sz="2400" dirty="0">
+            <a:endParaRPr lang="zh-CN" altLang="en-US" sz="2083" dirty="0">
               <a:effectLst>
                 <a:outerShdw blurRad="38100" dist="38100" dir="2700000" algn="tl">
                   <a:srgbClr val="000000">
@@ -3736,8 +3744,8 @@
         </p:nvSpPr>
         <p:spPr>
           <a:xfrm>
-            <a:off x="7359148" y="14093612"/>
-            <a:ext cx="2464904" cy="461665"/>
+            <a:off x="8834350" y="6649064"/>
+            <a:ext cx="2138814" cy="412870"/>
           </a:xfrm>
           <a:prstGeom prst="rect">
             <a:avLst/>
@@ -3751,7 +3759,7 @@
           <a:lstStyle/>
           <a:p>
             <a:r>
-              <a:rPr lang="en-US" altLang="zh-CN" sz="2400" dirty="0">
+              <a:rPr lang="en-US" altLang="zh-CN" sz="2083" dirty="0">
                 <a:effectLst>
                   <a:outerShdw blurRad="38100" dist="38100" dir="2700000" algn="tl">
                     <a:srgbClr val="000000">
@@ -3764,7 +3772,7 @@
               </a:rPr>
               <a:t>After SAG1</a:t>
             </a:r>
-            <a:endParaRPr lang="zh-CN" altLang="en-US" sz="2400" dirty="0">
+            <a:endParaRPr lang="zh-CN" altLang="en-US" sz="2083" dirty="0">
               <a:effectLst>
                 <a:outerShdw blurRad="38100" dist="38100" dir="2700000" algn="tl">
                   <a:srgbClr val="000000">
@@ -3792,8 +3800,8 @@
         </p:nvSpPr>
         <p:spPr>
           <a:xfrm>
-            <a:off x="7055718" y="18736003"/>
-            <a:ext cx="2464904" cy="461665"/>
+            <a:off x="8571061" y="10677300"/>
+            <a:ext cx="2138814" cy="412870"/>
           </a:xfrm>
           <a:prstGeom prst="rect">
             <a:avLst/>
@@ -3807,7 +3815,7 @@
           <a:lstStyle/>
           <a:p>
             <a:r>
-              <a:rPr lang="en-US" altLang="zh-CN" sz="2400" dirty="0">
+              <a:rPr lang="en-US" altLang="zh-CN" sz="2083" dirty="0">
                 <a:effectLst>
                   <a:outerShdw blurRad="38100" dist="38100" dir="2700000" algn="tl">
                     <a:srgbClr val="000000">
@@ -3820,7 +3828,7 @@
               </a:rPr>
               <a:t>After TOPK1</a:t>
             </a:r>
-            <a:endParaRPr lang="zh-CN" altLang="en-US" sz="2400" dirty="0">
+            <a:endParaRPr lang="zh-CN" altLang="en-US" sz="2083" dirty="0">
               <a:effectLst>
                 <a:outerShdw blurRad="38100" dist="38100" dir="2700000" algn="tl">
                   <a:srgbClr val="000000">
@@ -3848,8 +3856,8 @@
         </p:nvSpPr>
         <p:spPr>
           <a:xfrm>
-            <a:off x="16056941" y="18739717"/>
-            <a:ext cx="2464904" cy="461665"/>
+            <a:off x="16381486" y="10680521"/>
+            <a:ext cx="2138814" cy="412870"/>
           </a:xfrm>
           <a:prstGeom prst="rect">
             <a:avLst/>
@@ -3863,7 +3871,7 @@
           <a:lstStyle/>
           <a:p>
             <a:r>
-              <a:rPr lang="en-US" altLang="zh-CN" sz="2400" dirty="0">
+              <a:rPr lang="en-US" altLang="zh-CN" sz="2083" dirty="0">
                 <a:effectLst>
                   <a:outerShdw blurRad="38100" dist="38100" dir="2700000" algn="tl">
                     <a:srgbClr val="000000">
@@ -3876,7 +3884,7 @@
               </a:rPr>
               <a:t>After TOPK1</a:t>
             </a:r>
-            <a:endParaRPr lang="zh-CN" altLang="en-US" sz="2400" dirty="0">
+            <a:endParaRPr lang="zh-CN" altLang="en-US" sz="2083" dirty="0">
               <a:effectLst>
                 <a:outerShdw blurRad="38100" dist="38100" dir="2700000" algn="tl">
                   <a:srgbClr val="000000">
@@ -3917,8 +3925,8 @@
         </p:blipFill>
         <p:spPr>
           <a:xfrm rot="10800000" flipH="1" flipV="1">
-            <a:off x="1" y="5289527"/>
-            <a:ext cx="5069305" cy="4390926"/>
+            <a:off x="2448772" y="-990300"/>
+            <a:ext cx="4398672" cy="3810038"/>
           </a:xfrm>
           <a:prstGeom prst="rect">
             <a:avLst/>
@@ -3952,8 +3960,8 @@
         </p:blipFill>
         <p:spPr>
           <a:xfrm rot="10800000" flipH="1" flipV="1">
-            <a:off x="14450361" y="8624225"/>
-            <a:ext cx="5094782" cy="4457850"/>
+            <a:off x="14987446" y="1903243"/>
+            <a:ext cx="4420778" cy="3868107"/>
           </a:xfrm>
           <a:prstGeom prst="rect">
             <a:avLst/>
@@ -3987,8 +3995,8 @@
         </p:blipFill>
         <p:spPr>
           <a:xfrm rot="10800000" flipH="1" flipV="1">
-            <a:off x="14348251" y="3522279"/>
-            <a:ext cx="4725889" cy="4301979"/>
+            <a:off x="14898846" y="-2523756"/>
+            <a:ext cx="4100687" cy="3732858"/>
           </a:xfrm>
           <a:prstGeom prst="rect">
             <a:avLst/>
@@ -4022,8 +4030,8 @@
         </p:blipFill>
         <p:spPr>
           <a:xfrm rot="10800000" flipH="1" flipV="1">
-            <a:off x="6056948" y="8624225"/>
-            <a:ext cx="4462446" cy="4457850"/>
+            <a:off x="7704429" y="1903243"/>
+            <a:ext cx="3872094" cy="3868107"/>
           </a:xfrm>
           <a:prstGeom prst="rect">
             <a:avLst/>
@@ -4057,8 +4065,8 @@
         </p:blipFill>
         <p:spPr>
           <a:xfrm rot="10800000" flipH="1" flipV="1">
-            <a:off x="183801" y="15931608"/>
-            <a:ext cx="5277852" cy="4858219"/>
+            <a:off x="2608253" y="8243910"/>
+            <a:ext cx="4579629" cy="4215511"/>
           </a:xfrm>
           <a:prstGeom prst="rect">
             <a:avLst/>
@@ -4092,8 +4100,8 @@
         </p:blipFill>
         <p:spPr>
           <a:xfrm rot="10800000" flipH="1" flipV="1">
-            <a:off x="14840648" y="14534249"/>
-            <a:ext cx="4897490" cy="4201754"/>
+            <a:off x="15326100" y="7031410"/>
+            <a:ext cx="4249586" cy="3645891"/>
           </a:xfrm>
           <a:prstGeom prst="rect">
             <a:avLst/>
@@ -4118,8 +4126,8 @@
         </p:nvCxnSpPr>
         <p:spPr>
           <a:xfrm flipV="1">
-            <a:off x="5069306" y="5652800"/>
-            <a:ext cx="987643" cy="1832191"/>
+            <a:off x="6847441" y="-675087"/>
+            <a:ext cx="856985" cy="1589804"/>
           </a:xfrm>
           <a:prstGeom prst="curvedConnector3">
             <a:avLst/>
@@ -4161,8 +4169,8 @@
         </p:nvCxnSpPr>
         <p:spPr>
           <a:xfrm>
-            <a:off x="5069306" y="7484990"/>
-            <a:ext cx="987643" cy="3368160"/>
+            <a:off x="6847441" y="914714"/>
+            <a:ext cx="856985" cy="2922576"/>
           </a:xfrm>
           <a:prstGeom prst="curvedConnector3">
             <a:avLst>
@@ -4206,8 +4214,8 @@
         </p:nvCxnSpPr>
         <p:spPr>
           <a:xfrm>
-            <a:off x="5461653" y="18360718"/>
-            <a:ext cx="670515" cy="2848789"/>
+            <a:off x="7187886" y="10351664"/>
+            <a:ext cx="581811" cy="2471915"/>
           </a:xfrm>
           <a:prstGeom prst="curvedConnector3">
             <a:avLst>
@@ -4251,8 +4259,8 @@
         </p:nvCxnSpPr>
         <p:spPr>
           <a:xfrm flipV="1">
-            <a:off x="5461653" y="16563169"/>
-            <a:ext cx="889082" cy="1797549"/>
+            <a:off x="7187881" y="8791915"/>
+            <a:ext cx="771464" cy="1559745"/>
           </a:xfrm>
           <a:prstGeom prst="curvedConnector3">
             <a:avLst>
@@ -4296,8 +4304,8 @@
         </p:nvCxnSpPr>
         <p:spPr>
           <a:xfrm>
-            <a:off x="11126254" y="5652800"/>
-            <a:ext cx="3221997" cy="20469"/>
+            <a:off x="12103096" y="-675087"/>
+            <a:ext cx="2795748" cy="17760"/>
           </a:xfrm>
           <a:prstGeom prst="curvedConnector3">
             <a:avLst>
@@ -4341,8 +4349,8 @@
         </p:nvCxnSpPr>
         <p:spPr>
           <a:xfrm>
-            <a:off x="10519395" y="10853150"/>
-            <a:ext cx="3930967" cy="12700"/>
+            <a:off x="11576523" y="3837295"/>
+            <a:ext cx="3410928" cy="11021"/>
           </a:xfrm>
           <a:prstGeom prst="curvedConnector3">
             <a:avLst>
@@ -4386,8 +4394,8 @@
         </p:nvCxnSpPr>
         <p:spPr>
           <a:xfrm>
-            <a:off x="10225605" y="16563169"/>
-            <a:ext cx="4615043" cy="71957"/>
+            <a:off x="11321596" y="8791918"/>
+            <a:ext cx="4004505" cy="62438"/>
           </a:xfrm>
           <a:prstGeom prst="curvedConnector3">
             <a:avLst>
@@ -4431,8 +4439,8 @@
         </p:nvCxnSpPr>
         <p:spPr>
           <a:xfrm>
-            <a:off x="10444171" y="21209507"/>
-            <a:ext cx="4423301" cy="23654"/>
+            <a:off x="11511248" y="12823573"/>
+            <a:ext cx="3838130" cy="20526"/>
           </a:xfrm>
           <a:prstGeom prst="curvedConnector3">
             <a:avLst>
@@ -4462,6 +4470,811 @@
     <p:extLst>
       <p:ext uri="{BB962C8B-B14F-4D97-AF65-F5344CB8AC3E}">
         <p14:creationId xmlns:p14="http://schemas.microsoft.com/office/powerpoint/2010/main" val="2664133473"/>
+      </p:ext>
+    </p:extLst>
+  </p:cSld>
+  <p:clrMapOvr>
+    <a:masterClrMapping/>
+  </p:clrMapOvr>
+</p:sld>
+</file>
+
+<file path=ppt/slides/slide2.xml><?xml version="1.0" encoding="utf-8"?>
+<p:sld xmlns:a="http://schemas.openxmlformats.org/drawingml/2006/main" xmlns:r="http://schemas.openxmlformats.org/officeDocument/2006/relationships" xmlns:p="http://schemas.openxmlformats.org/presentationml/2006/main">
+  <p:cSld>
+    <p:spTree>
+      <p:nvGrpSpPr>
+        <p:cNvPr id="1" name=""/>
+        <p:cNvGrpSpPr/>
+        <p:nvPr/>
+      </p:nvGrpSpPr>
+      <p:grpSpPr>
+        <a:xfrm>
+          <a:off x="0" y="0"/>
+          <a:ext cx="0" cy="0"/>
+          <a:chOff x="0" y="0"/>
+          <a:chExt cx="0" cy="0"/>
+        </a:xfrm>
+      </p:grpSpPr>
+      <p:pic>
+        <p:nvPicPr>
+          <p:cNvPr id="31" name="图片 30">
+            <a:extLst>
+              <a:ext uri="{FF2B5EF4-FFF2-40B4-BE49-F238E27FC236}">
+                <a16:creationId xmlns:a16="http://schemas.microsoft.com/office/drawing/2014/main" id="{93E13DF8-9A5E-49F2-9308-B0BA39C0633A}"/>
+              </a:ext>
+            </a:extLst>
+          </p:cNvPr>
+          <p:cNvPicPr>
+            <a:picLocks noChangeAspect="1"/>
+          </p:cNvPicPr>
+          <p:nvPr/>
+        </p:nvPicPr>
+        <p:blipFill>
+          <a:blip r:embed="rId2">
+            <a:extLst>
+              <a:ext uri="{28A0092B-C50C-407E-A947-70E740481C1C}">
+                <a14:useLocalDpi xmlns:a14="http://schemas.microsoft.com/office/drawing/2010/main" val="0"/>
+              </a:ext>
+            </a:extLst>
+          </a:blip>
+          <a:srcRect/>
+          <a:stretch/>
+        </p:blipFill>
+        <p:spPr>
+          <a:xfrm rot="10800000" flipH="1" flipV="1">
+            <a:off x="15578378" y="960213"/>
+            <a:ext cx="7134366" cy="3567182"/>
+          </a:xfrm>
+          <a:prstGeom prst="rect">
+            <a:avLst/>
+          </a:prstGeom>
+        </p:spPr>
+      </p:pic>
+      <p:pic>
+        <p:nvPicPr>
+          <p:cNvPr id="28" name="图片 27">
+            <a:extLst>
+              <a:ext uri="{FF2B5EF4-FFF2-40B4-BE49-F238E27FC236}">
+                <a16:creationId xmlns:a16="http://schemas.microsoft.com/office/drawing/2014/main" id="{69294710-2894-44C2-A2C3-20587E91814E}"/>
+              </a:ext>
+            </a:extLst>
+          </p:cNvPr>
+          <p:cNvPicPr>
+            <a:picLocks noChangeAspect="1"/>
+          </p:cNvPicPr>
+          <p:nvPr/>
+        </p:nvPicPr>
+        <p:blipFill>
+          <a:blip r:embed="rId3">
+            <a:extLst>
+              <a:ext uri="{28A0092B-C50C-407E-A947-70E740481C1C}">
+                <a14:useLocalDpi xmlns:a14="http://schemas.microsoft.com/office/drawing/2010/main" val="0"/>
+              </a:ext>
+            </a:extLst>
+          </a:blip>
+          <a:srcRect/>
+          <a:stretch/>
+        </p:blipFill>
+        <p:spPr>
+          <a:xfrm rot="10800000" flipH="1" flipV="1">
+            <a:off x="7704421" y="1004820"/>
+            <a:ext cx="6955938" cy="3477969"/>
+          </a:xfrm>
+          <a:prstGeom prst="rect">
+            <a:avLst/>
+          </a:prstGeom>
+        </p:spPr>
+      </p:pic>
+      <p:sp>
+        <p:nvSpPr>
+          <p:cNvPr id="5" name="文本框 4">
+            <a:extLst>
+              <a:ext uri="{FF2B5EF4-FFF2-40B4-BE49-F238E27FC236}">
+                <a16:creationId xmlns:a16="http://schemas.microsoft.com/office/drawing/2014/main" id="{5A926602-FFFB-4A12-9E6E-AF26E7CD5734}"/>
+              </a:ext>
+            </a:extLst>
+          </p:cNvPr>
+          <p:cNvSpPr txBox="1"/>
+          <p:nvPr/>
+        </p:nvSpPr>
+        <p:spPr>
+          <a:xfrm>
+            <a:off x="1083881" y="497581"/>
+            <a:ext cx="5533319" cy="412870"/>
+          </a:xfrm>
+          <a:prstGeom prst="rect">
+            <a:avLst/>
+          </a:prstGeom>
+          <a:noFill/>
+        </p:spPr>
+        <p:txBody>
+          <a:bodyPr wrap="square" rtlCol="0">
+            <a:spAutoFit/>
+          </a:bodyPr>
+          <a:lstStyle/>
+          <a:p>
+            <a:r>
+              <a:rPr lang="en-US" altLang="zh-CN" sz="2083" dirty="0">
+                <a:effectLst>
+                  <a:outerShdw blurRad="38100" dist="38100" dir="2700000" algn="tl">
+                    <a:srgbClr val="000000">
+                      <a:alpha val="43137"/>
+                    </a:srgbClr>
+                  </a:outerShdw>
+                </a:effectLst>
+                <a:latin typeface="Courier +  BOLDITALIC" panose="0202E200000000000000" pitchFamily="18" charset="-122"/>
+                <a:ea typeface="Courier +  BOLDITALIC" panose="0202E200000000000000" pitchFamily="18" charset="-122"/>
+              </a:rPr>
+              <a:t>Dataset: </a:t>
+            </a:r>
+            <a:r>
+              <a:rPr lang="en-US" altLang="zh-CN" sz="2083" dirty="0" err="1">
+                <a:effectLst>
+                  <a:outerShdw blurRad="38100" dist="38100" dir="2700000" algn="tl">
+                    <a:srgbClr val="000000">
+                      <a:alpha val="43137"/>
+                    </a:srgbClr>
+                  </a:outerShdw>
+                </a:effectLst>
+                <a:latin typeface="Courier +  BOLDITALIC" panose="0202E200000000000000" pitchFamily="18" charset="-122"/>
+                <a:ea typeface="Courier +  BOLDITALIC" panose="0202E200000000000000" pitchFamily="18" charset="-122"/>
+              </a:rPr>
+              <a:t>TUDataset</a:t>
+            </a:r>
+            <a:r>
+              <a:rPr lang="en-US" altLang="zh-CN" sz="2083" dirty="0">
+                <a:effectLst>
+                  <a:outerShdw blurRad="38100" dist="38100" dir="2700000" algn="tl">
+                    <a:srgbClr val="000000">
+                      <a:alpha val="43137"/>
+                    </a:srgbClr>
+                  </a:outerShdw>
+                </a:effectLst>
+                <a:latin typeface="Courier +  BOLDITALIC" panose="0202E200000000000000" pitchFamily="18" charset="-122"/>
+                <a:ea typeface="Courier +  BOLDITALIC" panose="0202E200000000000000" pitchFamily="18" charset="-122"/>
+              </a:rPr>
+              <a:t> FIRSTMM-DB</a:t>
+            </a:r>
+            <a:endParaRPr lang="zh-CN" altLang="en-US" sz="2083" dirty="0">
+              <a:effectLst>
+                <a:outerShdw blurRad="38100" dist="38100" dir="2700000" algn="tl">
+                  <a:srgbClr val="000000">
+                    <a:alpha val="43137"/>
+                  </a:srgbClr>
+                </a:outerShdw>
+              </a:effectLst>
+              <a:latin typeface="Courier +  BOLDITALIC" panose="0202E200000000000000" pitchFamily="18" charset="-122"/>
+              <a:ea typeface="Courier +  BOLDITALIC" panose="0202E200000000000000" pitchFamily="18" charset="-122"/>
+            </a:endParaRPr>
+          </a:p>
+        </p:txBody>
+      </p:sp>
+      <p:sp>
+        <p:nvSpPr>
+          <p:cNvPr id="10" name="文本框 9">
+            <a:extLst>
+              <a:ext uri="{FF2B5EF4-FFF2-40B4-BE49-F238E27FC236}">
+                <a16:creationId xmlns:a16="http://schemas.microsoft.com/office/drawing/2014/main" id="{790E8497-8191-473B-B763-03050A36C660}"/>
+              </a:ext>
+            </a:extLst>
+          </p:cNvPr>
+          <p:cNvSpPr txBox="1"/>
+          <p:nvPr/>
+        </p:nvSpPr>
+        <p:spPr>
+          <a:xfrm>
+            <a:off x="1083881" y="1246322"/>
+            <a:ext cx="5533319" cy="412870"/>
+          </a:xfrm>
+          <a:prstGeom prst="rect">
+            <a:avLst/>
+          </a:prstGeom>
+          <a:noFill/>
+        </p:spPr>
+        <p:txBody>
+          <a:bodyPr wrap="square" rtlCol="0">
+            <a:spAutoFit/>
+          </a:bodyPr>
+          <a:lstStyle/>
+          <a:p>
+            <a:r>
+              <a:rPr lang="en-US" altLang="zh-CN" sz="2083" dirty="0">
+                <a:effectLst>
+                  <a:outerShdw blurRad="38100" dist="38100" dir="2700000" algn="tl">
+                    <a:srgbClr val="000000">
+                      <a:alpha val="43137"/>
+                    </a:srgbClr>
+                  </a:outerShdw>
+                </a:effectLst>
+                <a:latin typeface="Courier +  BOLDITALIC" panose="0202E200000000000000" pitchFamily="18" charset="-122"/>
+                <a:ea typeface="Courier +  BOLDITALIC" panose="0202E200000000000000" pitchFamily="18" charset="-122"/>
+              </a:rPr>
+              <a:t>Pooling config: ratio=0.5</a:t>
+            </a:r>
+            <a:endParaRPr lang="zh-CN" altLang="en-US" sz="2083" dirty="0">
+              <a:effectLst>
+                <a:outerShdw blurRad="38100" dist="38100" dir="2700000" algn="tl">
+                  <a:srgbClr val="000000">
+                    <a:alpha val="43137"/>
+                  </a:srgbClr>
+                </a:outerShdw>
+              </a:effectLst>
+              <a:latin typeface="Courier +  BOLDITALIC" panose="0202E200000000000000" pitchFamily="18" charset="-122"/>
+              <a:ea typeface="Courier +  BOLDITALIC" panose="0202E200000000000000" pitchFamily="18" charset="-122"/>
+            </a:endParaRPr>
+          </a:p>
+        </p:txBody>
+      </p:sp>
+      <p:sp>
+        <p:nvSpPr>
+          <p:cNvPr id="15" name="文本框 14">
+            <a:extLst>
+              <a:ext uri="{FF2B5EF4-FFF2-40B4-BE49-F238E27FC236}">
+                <a16:creationId xmlns:a16="http://schemas.microsoft.com/office/drawing/2014/main" id="{3552AA4B-3F47-47C8-9732-2CA6FE906A0B}"/>
+              </a:ext>
+            </a:extLst>
+          </p:cNvPr>
+          <p:cNvSpPr txBox="1"/>
+          <p:nvPr/>
+        </p:nvSpPr>
+        <p:spPr>
+          <a:xfrm>
+            <a:off x="2414627" y="2330934"/>
+            <a:ext cx="2138814" cy="412870"/>
+          </a:xfrm>
+          <a:prstGeom prst="rect">
+            <a:avLst/>
+          </a:prstGeom>
+          <a:noFill/>
+        </p:spPr>
+        <p:txBody>
+          <a:bodyPr wrap="square" rtlCol="0">
+            <a:spAutoFit/>
+          </a:bodyPr>
+          <a:lstStyle/>
+          <a:p>
+            <a:r>
+              <a:rPr lang="en-US" altLang="zh-CN" sz="2083" dirty="0">
+                <a:effectLst>
+                  <a:outerShdw blurRad="38100" dist="38100" dir="2700000" algn="tl">
+                    <a:srgbClr val="000000">
+                      <a:alpha val="43137"/>
+                    </a:srgbClr>
+                  </a:outerShdw>
+                </a:effectLst>
+                <a:latin typeface="Courier +  BOLDITALIC" panose="0202E200000000000000" pitchFamily="18" charset="-122"/>
+                <a:ea typeface="Courier +  BOLDITALIC" panose="0202E200000000000000" pitchFamily="18" charset="-122"/>
+              </a:rPr>
+              <a:t>Origin Graph</a:t>
+            </a:r>
+            <a:endParaRPr lang="zh-CN" altLang="en-US" sz="2083" dirty="0">
+              <a:effectLst>
+                <a:outerShdw blurRad="38100" dist="38100" dir="2700000" algn="tl">
+                  <a:srgbClr val="000000">
+                    <a:alpha val="43137"/>
+                  </a:srgbClr>
+                </a:outerShdw>
+              </a:effectLst>
+              <a:latin typeface="Courier +  BOLDITALIC" panose="0202E200000000000000" pitchFamily="18" charset="-122"/>
+              <a:ea typeface="Courier +  BOLDITALIC" panose="0202E200000000000000" pitchFamily="18" charset="-122"/>
+            </a:endParaRPr>
+          </a:p>
+        </p:txBody>
+      </p:sp>
+      <p:sp>
+        <p:nvSpPr>
+          <p:cNvPr id="16" name="文本框 15">
+            <a:extLst>
+              <a:ext uri="{FF2B5EF4-FFF2-40B4-BE49-F238E27FC236}">
+                <a16:creationId xmlns:a16="http://schemas.microsoft.com/office/drawing/2014/main" id="{3C863572-11F5-4809-913F-419E6C4C9799}"/>
+              </a:ext>
+            </a:extLst>
+          </p:cNvPr>
+          <p:cNvSpPr txBox="1"/>
+          <p:nvPr/>
+        </p:nvSpPr>
+        <p:spPr>
+          <a:xfrm>
+            <a:off x="17964721" y="591949"/>
+            <a:ext cx="2138814" cy="412870"/>
+          </a:xfrm>
+          <a:prstGeom prst="rect">
+            <a:avLst/>
+          </a:prstGeom>
+          <a:noFill/>
+        </p:spPr>
+        <p:txBody>
+          <a:bodyPr wrap="square" rtlCol="0">
+            <a:spAutoFit/>
+          </a:bodyPr>
+          <a:lstStyle/>
+          <a:p>
+            <a:r>
+              <a:rPr lang="en-US" altLang="zh-CN" sz="2083" dirty="0">
+                <a:effectLst>
+                  <a:outerShdw blurRad="38100" dist="38100" dir="2700000" algn="tl">
+                    <a:srgbClr val="000000">
+                      <a:alpha val="43137"/>
+                    </a:srgbClr>
+                  </a:outerShdw>
+                </a:effectLst>
+                <a:latin typeface="Courier +  BOLDITALIC" panose="0202E200000000000000" pitchFamily="18" charset="-122"/>
+                <a:ea typeface="Courier +  BOLDITALIC" panose="0202E200000000000000" pitchFamily="18" charset="-122"/>
+              </a:rPr>
+              <a:t>After SAG2</a:t>
+            </a:r>
+            <a:endParaRPr lang="zh-CN" altLang="en-US" sz="2083" dirty="0">
+              <a:effectLst>
+                <a:outerShdw blurRad="38100" dist="38100" dir="2700000" algn="tl">
+                  <a:srgbClr val="000000">
+                    <a:alpha val="43137"/>
+                  </a:srgbClr>
+                </a:outerShdw>
+              </a:effectLst>
+              <a:latin typeface="Courier +  BOLDITALIC" panose="0202E200000000000000" pitchFamily="18" charset="-122"/>
+              <a:ea typeface="Courier +  BOLDITALIC" panose="0202E200000000000000" pitchFamily="18" charset="-122"/>
+            </a:endParaRPr>
+          </a:p>
+        </p:txBody>
+      </p:sp>
+      <p:sp>
+        <p:nvSpPr>
+          <p:cNvPr id="17" name="文本框 16">
+            <a:extLst>
+              <a:ext uri="{FF2B5EF4-FFF2-40B4-BE49-F238E27FC236}">
+                <a16:creationId xmlns:a16="http://schemas.microsoft.com/office/drawing/2014/main" id="{B7838A7E-C9CB-4D4B-9746-38C3D8575313}"/>
+              </a:ext>
+            </a:extLst>
+          </p:cNvPr>
+          <p:cNvSpPr txBox="1"/>
+          <p:nvPr/>
+        </p:nvSpPr>
+        <p:spPr>
+          <a:xfrm>
+            <a:off x="10560882" y="526474"/>
+            <a:ext cx="2138814" cy="412870"/>
+          </a:xfrm>
+          <a:prstGeom prst="rect">
+            <a:avLst/>
+          </a:prstGeom>
+          <a:noFill/>
+        </p:spPr>
+        <p:txBody>
+          <a:bodyPr wrap="square" rtlCol="0">
+            <a:spAutoFit/>
+          </a:bodyPr>
+          <a:lstStyle/>
+          <a:p>
+            <a:r>
+              <a:rPr lang="en-US" altLang="zh-CN" sz="2083" dirty="0">
+                <a:effectLst>
+                  <a:outerShdw blurRad="38100" dist="38100" dir="2700000" algn="tl">
+                    <a:srgbClr val="000000">
+                      <a:alpha val="43137"/>
+                    </a:srgbClr>
+                  </a:outerShdw>
+                </a:effectLst>
+                <a:latin typeface="Courier +  BOLDITALIC" panose="0202E200000000000000" pitchFamily="18" charset="-122"/>
+                <a:ea typeface="Courier +  BOLDITALIC" panose="0202E200000000000000" pitchFamily="18" charset="-122"/>
+              </a:rPr>
+              <a:t>After SAG1</a:t>
+            </a:r>
+            <a:endParaRPr lang="zh-CN" altLang="en-US" sz="2083" dirty="0">
+              <a:effectLst>
+                <a:outerShdw blurRad="38100" dist="38100" dir="2700000" algn="tl">
+                  <a:srgbClr val="000000">
+                    <a:alpha val="43137"/>
+                  </a:srgbClr>
+                </a:outerShdw>
+              </a:effectLst>
+              <a:latin typeface="Courier +  BOLDITALIC" panose="0202E200000000000000" pitchFamily="18" charset="-122"/>
+              <a:ea typeface="Courier +  BOLDITALIC" panose="0202E200000000000000" pitchFamily="18" charset="-122"/>
+            </a:endParaRPr>
+          </a:p>
+        </p:txBody>
+      </p:sp>
+      <p:sp>
+        <p:nvSpPr>
+          <p:cNvPr id="18" name="文本框 17">
+            <a:extLst>
+              <a:ext uri="{FF2B5EF4-FFF2-40B4-BE49-F238E27FC236}">
+                <a16:creationId xmlns:a16="http://schemas.microsoft.com/office/drawing/2014/main" id="{7292E644-1B15-4B05-BE79-EB62C3B68B03}"/>
+              </a:ext>
+            </a:extLst>
+          </p:cNvPr>
+          <p:cNvSpPr txBox="1"/>
+          <p:nvPr/>
+        </p:nvSpPr>
+        <p:spPr>
+          <a:xfrm>
+            <a:off x="10560882" y="4821656"/>
+            <a:ext cx="2138814" cy="412870"/>
+          </a:xfrm>
+          <a:prstGeom prst="rect">
+            <a:avLst/>
+          </a:prstGeom>
+          <a:noFill/>
+        </p:spPr>
+        <p:txBody>
+          <a:bodyPr wrap="square" rtlCol="0">
+            <a:spAutoFit/>
+          </a:bodyPr>
+          <a:lstStyle/>
+          <a:p>
+            <a:r>
+              <a:rPr lang="en-US" altLang="zh-CN" sz="2083" dirty="0">
+                <a:effectLst>
+                  <a:outerShdw blurRad="38100" dist="38100" dir="2700000" algn="tl">
+                    <a:srgbClr val="000000">
+                      <a:alpha val="43137"/>
+                    </a:srgbClr>
+                  </a:outerShdw>
+                </a:effectLst>
+                <a:latin typeface="Courier +  BOLDITALIC" panose="0202E200000000000000" pitchFamily="18" charset="-122"/>
+                <a:ea typeface="Courier +  BOLDITALIC" panose="0202E200000000000000" pitchFamily="18" charset="-122"/>
+              </a:rPr>
+              <a:t>After TOPK1</a:t>
+            </a:r>
+            <a:endParaRPr lang="zh-CN" altLang="en-US" sz="2083" dirty="0">
+              <a:effectLst>
+                <a:outerShdw blurRad="38100" dist="38100" dir="2700000" algn="tl">
+                  <a:srgbClr val="000000">
+                    <a:alpha val="43137"/>
+                  </a:srgbClr>
+                </a:outerShdw>
+              </a:effectLst>
+              <a:latin typeface="Courier +  BOLDITALIC" panose="0202E200000000000000" pitchFamily="18" charset="-122"/>
+              <a:ea typeface="Courier +  BOLDITALIC" panose="0202E200000000000000" pitchFamily="18" charset="-122"/>
+            </a:endParaRPr>
+          </a:p>
+        </p:txBody>
+      </p:sp>
+      <p:sp>
+        <p:nvSpPr>
+          <p:cNvPr id="19" name="文本框 18">
+            <a:extLst>
+              <a:ext uri="{FF2B5EF4-FFF2-40B4-BE49-F238E27FC236}">
+                <a16:creationId xmlns:a16="http://schemas.microsoft.com/office/drawing/2014/main" id="{EED7A038-C314-4004-93A2-A116A3657069}"/>
+              </a:ext>
+            </a:extLst>
+          </p:cNvPr>
+          <p:cNvSpPr txBox="1"/>
+          <p:nvPr/>
+        </p:nvSpPr>
+        <p:spPr>
+          <a:xfrm>
+            <a:off x="17964721" y="4674526"/>
+            <a:ext cx="2138814" cy="412870"/>
+          </a:xfrm>
+          <a:prstGeom prst="rect">
+            <a:avLst/>
+          </a:prstGeom>
+          <a:noFill/>
+        </p:spPr>
+        <p:txBody>
+          <a:bodyPr wrap="square" rtlCol="0">
+            <a:spAutoFit/>
+          </a:bodyPr>
+          <a:lstStyle/>
+          <a:p>
+            <a:r>
+              <a:rPr lang="en-US" altLang="zh-CN" sz="2083" dirty="0">
+                <a:effectLst>
+                  <a:outerShdw blurRad="38100" dist="38100" dir="2700000" algn="tl">
+                    <a:srgbClr val="000000">
+                      <a:alpha val="43137"/>
+                    </a:srgbClr>
+                  </a:outerShdw>
+                </a:effectLst>
+                <a:latin typeface="Courier +  BOLDITALIC" panose="0202E200000000000000" pitchFamily="18" charset="-122"/>
+                <a:ea typeface="Courier +  BOLDITALIC" panose="0202E200000000000000" pitchFamily="18" charset="-122"/>
+              </a:rPr>
+              <a:t>After TOPK2</a:t>
+            </a:r>
+            <a:endParaRPr lang="zh-CN" altLang="en-US" sz="2083" dirty="0">
+              <a:effectLst>
+                <a:outerShdw blurRad="38100" dist="38100" dir="2700000" algn="tl">
+                  <a:srgbClr val="000000">
+                    <a:alpha val="43137"/>
+                  </a:srgbClr>
+                </a:outerShdw>
+              </a:effectLst>
+              <a:latin typeface="Courier +  BOLDITALIC" panose="0202E200000000000000" pitchFamily="18" charset="-122"/>
+              <a:ea typeface="Courier +  BOLDITALIC" panose="0202E200000000000000" pitchFamily="18" charset="-122"/>
+            </a:endParaRPr>
+          </a:p>
+        </p:txBody>
+      </p:sp>
+      <p:pic>
+        <p:nvPicPr>
+          <p:cNvPr id="7" name="图片 6">
+            <a:extLst>
+              <a:ext uri="{FF2B5EF4-FFF2-40B4-BE49-F238E27FC236}">
+                <a16:creationId xmlns:a16="http://schemas.microsoft.com/office/drawing/2014/main" id="{2022D286-6806-4DBD-A0C2-54303B9E154F}"/>
+              </a:ext>
+            </a:extLst>
+          </p:cNvPr>
+          <p:cNvPicPr>
+            <a:picLocks noChangeAspect="1"/>
+          </p:cNvPicPr>
+          <p:nvPr/>
+        </p:nvPicPr>
+        <p:blipFill>
+          <a:blip r:embed="rId4">
+            <a:extLst>
+              <a:ext uri="{28A0092B-C50C-407E-A947-70E740481C1C}">
+                <a14:useLocalDpi xmlns:a14="http://schemas.microsoft.com/office/drawing/2010/main" val="0"/>
+              </a:ext>
+            </a:extLst>
+          </a:blip>
+          <a:srcRect/>
+          <a:stretch/>
+        </p:blipFill>
+        <p:spPr>
+          <a:xfrm rot="10800000" flipH="1" flipV="1">
+            <a:off x="181666" y="2920816"/>
+            <a:ext cx="6604736" cy="3302367"/>
+          </a:xfrm>
+          <a:prstGeom prst="rect">
+            <a:avLst/>
+          </a:prstGeom>
+        </p:spPr>
+      </p:pic>
+      <p:pic>
+        <p:nvPicPr>
+          <p:cNvPr id="30" name="图片 29">
+            <a:extLst>
+              <a:ext uri="{FF2B5EF4-FFF2-40B4-BE49-F238E27FC236}">
+                <a16:creationId xmlns:a16="http://schemas.microsoft.com/office/drawing/2014/main" id="{F3AF80F6-DA76-4475-9321-C1346D77B0B0}"/>
+              </a:ext>
+            </a:extLst>
+          </p:cNvPr>
+          <p:cNvPicPr>
+            <a:picLocks noChangeAspect="1"/>
+          </p:cNvPicPr>
+          <p:nvPr/>
+        </p:nvPicPr>
+        <p:blipFill>
+          <a:blip r:embed="rId5">
+            <a:extLst>
+              <a:ext uri="{28A0092B-C50C-407E-A947-70E740481C1C}">
+                <a14:useLocalDpi xmlns:a14="http://schemas.microsoft.com/office/drawing/2010/main" val="0"/>
+              </a:ext>
+            </a:extLst>
+          </a:blip>
+          <a:srcRect/>
+          <a:stretch/>
+        </p:blipFill>
+        <p:spPr>
+          <a:xfrm rot="10800000" flipH="1" flipV="1">
+            <a:off x="15556158" y="5234527"/>
+            <a:ext cx="6955940" cy="3477970"/>
+          </a:xfrm>
+          <a:prstGeom prst="rect">
+            <a:avLst/>
+          </a:prstGeom>
+        </p:spPr>
+      </p:pic>
+      <p:pic>
+        <p:nvPicPr>
+          <p:cNvPr id="32" name="图片 31">
+            <a:extLst>
+              <a:ext uri="{FF2B5EF4-FFF2-40B4-BE49-F238E27FC236}">
+                <a16:creationId xmlns:a16="http://schemas.microsoft.com/office/drawing/2014/main" id="{97D6374E-6490-464B-A23E-619A30D7ACA5}"/>
+              </a:ext>
+            </a:extLst>
+          </p:cNvPr>
+          <p:cNvPicPr>
+            <a:picLocks noChangeAspect="1"/>
+          </p:cNvPicPr>
+          <p:nvPr/>
+        </p:nvPicPr>
+        <p:blipFill>
+          <a:blip r:embed="rId6">
+            <a:extLst>
+              <a:ext uri="{28A0092B-C50C-407E-A947-70E740481C1C}">
+                <a14:useLocalDpi xmlns:a14="http://schemas.microsoft.com/office/drawing/2010/main" val="0"/>
+              </a:ext>
+            </a:extLst>
+          </a:blip>
+          <a:srcRect/>
+          <a:stretch/>
+        </p:blipFill>
+        <p:spPr>
+          <a:xfrm rot="10800000" flipH="1" flipV="1">
+            <a:off x="7704420" y="5234526"/>
+            <a:ext cx="6955937" cy="3477969"/>
+          </a:xfrm>
+          <a:prstGeom prst="rect">
+            <a:avLst/>
+          </a:prstGeom>
+        </p:spPr>
+      </p:pic>
+      <p:cxnSp>
+        <p:nvCxnSpPr>
+          <p:cNvPr id="37" name="连接符: 曲线 36">
+            <a:extLst>
+              <a:ext uri="{FF2B5EF4-FFF2-40B4-BE49-F238E27FC236}">
+                <a16:creationId xmlns:a16="http://schemas.microsoft.com/office/drawing/2014/main" id="{C772DDE2-9090-4C6B-9A39-943EF1F556D7}"/>
+              </a:ext>
+            </a:extLst>
+          </p:cNvPr>
+          <p:cNvCxnSpPr>
+            <a:cxnSpLocks/>
+            <a:stCxn id="7" idx="3"/>
+            <a:endCxn id="28" idx="1"/>
+          </p:cNvCxnSpPr>
+          <p:nvPr/>
+        </p:nvCxnSpPr>
+        <p:spPr>
+          <a:xfrm flipV="1">
+            <a:off x="6786402" y="2743805"/>
+            <a:ext cx="918019" cy="1828195"/>
+          </a:xfrm>
+          <a:prstGeom prst="curvedConnector3">
+            <a:avLst>
+              <a:gd name="adj1" fmla="val 50000"/>
+            </a:avLst>
+          </a:prstGeom>
+          <a:ln w="76200">
+            <a:tailEnd type="triangle"/>
+          </a:ln>
+        </p:spPr>
+        <p:style>
+          <a:lnRef idx="1">
+            <a:schemeClr val="accent1"/>
+          </a:lnRef>
+          <a:fillRef idx="0">
+            <a:schemeClr val="accent1"/>
+          </a:fillRef>
+          <a:effectRef idx="0">
+            <a:schemeClr val="accent1"/>
+          </a:effectRef>
+          <a:fontRef idx="minor">
+            <a:schemeClr val="tx1"/>
+          </a:fontRef>
+        </p:style>
+      </p:cxnSp>
+      <p:cxnSp>
+        <p:nvCxnSpPr>
+          <p:cNvPr id="38" name="连接符: 曲线 37">
+            <a:extLst>
+              <a:ext uri="{FF2B5EF4-FFF2-40B4-BE49-F238E27FC236}">
+                <a16:creationId xmlns:a16="http://schemas.microsoft.com/office/drawing/2014/main" id="{6E2001D1-E2C3-4895-B84F-4A57C174DF98}"/>
+              </a:ext>
+            </a:extLst>
+          </p:cNvPr>
+          <p:cNvCxnSpPr>
+            <a:cxnSpLocks/>
+            <a:stCxn id="7" idx="3"/>
+            <a:endCxn id="32" idx="1"/>
+          </p:cNvCxnSpPr>
+          <p:nvPr/>
+        </p:nvCxnSpPr>
+        <p:spPr>
+          <a:xfrm>
+            <a:off x="6786402" y="4572000"/>
+            <a:ext cx="918018" cy="2401511"/>
+          </a:xfrm>
+          <a:prstGeom prst="curvedConnector3">
+            <a:avLst>
+              <a:gd name="adj1" fmla="val 50000"/>
+            </a:avLst>
+          </a:prstGeom>
+          <a:ln w="76200">
+            <a:tailEnd type="triangle"/>
+          </a:ln>
+        </p:spPr>
+        <p:style>
+          <a:lnRef idx="1">
+            <a:schemeClr val="accent1"/>
+          </a:lnRef>
+          <a:fillRef idx="0">
+            <a:schemeClr val="accent1"/>
+          </a:fillRef>
+          <a:effectRef idx="0">
+            <a:schemeClr val="accent1"/>
+          </a:effectRef>
+          <a:fontRef idx="minor">
+            <a:schemeClr val="tx1"/>
+          </a:fontRef>
+        </p:style>
+      </p:cxnSp>
+      <p:cxnSp>
+        <p:nvCxnSpPr>
+          <p:cNvPr id="43" name="连接符: 曲线 42">
+            <a:extLst>
+              <a:ext uri="{FF2B5EF4-FFF2-40B4-BE49-F238E27FC236}">
+                <a16:creationId xmlns:a16="http://schemas.microsoft.com/office/drawing/2014/main" id="{CD2C9423-D247-4380-81C7-3C91C87ED003}"/>
+              </a:ext>
+            </a:extLst>
+          </p:cNvPr>
+          <p:cNvCxnSpPr>
+            <a:cxnSpLocks/>
+            <a:stCxn id="28" idx="3"/>
+            <a:endCxn id="31" idx="1"/>
+          </p:cNvCxnSpPr>
+          <p:nvPr/>
+        </p:nvCxnSpPr>
+        <p:spPr>
+          <a:xfrm flipV="1">
+            <a:off x="14660359" y="2743804"/>
+            <a:ext cx="918019" cy="1"/>
+          </a:xfrm>
+          <a:prstGeom prst="curvedConnector3">
+            <a:avLst>
+              <a:gd name="adj1" fmla="val 50000"/>
+            </a:avLst>
+          </a:prstGeom>
+          <a:ln w="76200">
+            <a:tailEnd type="triangle"/>
+          </a:ln>
+        </p:spPr>
+        <p:style>
+          <a:lnRef idx="1">
+            <a:schemeClr val="accent1"/>
+          </a:lnRef>
+          <a:fillRef idx="0">
+            <a:schemeClr val="accent1"/>
+          </a:fillRef>
+          <a:effectRef idx="0">
+            <a:schemeClr val="accent1"/>
+          </a:effectRef>
+          <a:fontRef idx="minor">
+            <a:schemeClr val="tx1"/>
+          </a:fontRef>
+        </p:style>
+      </p:cxnSp>
+      <p:cxnSp>
+        <p:nvCxnSpPr>
+          <p:cNvPr id="52" name="连接符: 曲线 51">
+            <a:extLst>
+              <a:ext uri="{FF2B5EF4-FFF2-40B4-BE49-F238E27FC236}">
+                <a16:creationId xmlns:a16="http://schemas.microsoft.com/office/drawing/2014/main" id="{4ACA7B3C-EF92-4A56-AFBF-AD9E92E9A188}"/>
+              </a:ext>
+            </a:extLst>
+          </p:cNvPr>
+          <p:cNvCxnSpPr>
+            <a:cxnSpLocks/>
+            <a:stCxn id="32" idx="3"/>
+            <a:endCxn id="30" idx="1"/>
+          </p:cNvCxnSpPr>
+          <p:nvPr/>
+        </p:nvCxnSpPr>
+        <p:spPr>
+          <a:xfrm>
+            <a:off x="14660357" y="6973511"/>
+            <a:ext cx="895801" cy="1"/>
+          </a:xfrm>
+          <a:prstGeom prst="curvedConnector3">
+            <a:avLst>
+              <a:gd name="adj1" fmla="val 50000"/>
+            </a:avLst>
+          </a:prstGeom>
+          <a:ln w="76200">
+            <a:tailEnd type="triangle"/>
+          </a:ln>
+        </p:spPr>
+        <p:style>
+          <a:lnRef idx="1">
+            <a:schemeClr val="accent1"/>
+          </a:lnRef>
+          <a:fillRef idx="0">
+            <a:schemeClr val="accent1"/>
+          </a:fillRef>
+          <a:effectRef idx="0">
+            <a:schemeClr val="accent1"/>
+          </a:effectRef>
+          <a:fontRef idx="minor">
+            <a:schemeClr val="tx1"/>
+          </a:fontRef>
+        </p:style>
+      </p:cxnSp>
+    </p:spTree>
+    <p:extLst>
+      <p:ext uri="{BB962C8B-B14F-4D97-AF65-F5344CB8AC3E}">
+        <p14:creationId xmlns:p14="http://schemas.microsoft.com/office/powerpoint/2010/main" val="1445980008"/>
       </p:ext>
     </p:extLst>
   </p:cSld>
